--- a/Tugas 1/Pengantar Algoritma Deep Learning.pptx
+++ b/Tugas 1/Pengantar Algoritma Deep Learning.pptx
@@ -33,7 +33,14 @@
     <p:sldId id="278" r:id="rId27"/>
     <p:sldId id="279" r:id="rId28"/>
     <p:sldId id="280" r:id="rId29"/>
-    <p:sldId id="284" r:id="rId30"/>
+    <p:sldId id="287" r:id="rId30"/>
+    <p:sldId id="288" r:id="rId31"/>
+    <p:sldId id="289" r:id="rId32"/>
+    <p:sldId id="290" r:id="rId33"/>
+    <p:sldId id="291" r:id="rId34"/>
+    <p:sldId id="292" r:id="rId35"/>
+    <p:sldId id="293" r:id="rId36"/>
+    <p:sldId id="284" r:id="rId37"/>
   </p:sldIdLst>
   <p:sldSz cx="9144000" cy="6858000" type="screen4x3"/>
   <p:notesSz cx="6858000" cy="9144000"/>
@@ -365,7 +372,7 @@
           <a:p>
             <a:fld id="{8475E680-575B-49F1-9FD0-EA1D7B55F590}" type="datetimeFigureOut">
               <a:rPr lang="id-ID" smtClean="0"/>
-              <a:t>23/03/2019</a:t>
+              <a:t>01/04/2019</a:t>
             </a:fld>
             <a:endParaRPr lang="id-ID"/>
           </a:p>
@@ -578,7 +585,7 @@
           <a:p>
             <a:fld id="{8475E680-575B-49F1-9FD0-EA1D7B55F590}" type="datetimeFigureOut">
               <a:rPr lang="id-ID" smtClean="0"/>
-              <a:t>23/03/2019</a:t>
+              <a:t>01/04/2019</a:t>
             </a:fld>
             <a:endParaRPr lang="id-ID"/>
           </a:p>
@@ -753,7 +760,7 @@
           <a:p>
             <a:fld id="{8475E680-575B-49F1-9FD0-EA1D7B55F590}" type="datetimeFigureOut">
               <a:rPr lang="id-ID" smtClean="0"/>
-              <a:t>23/03/2019</a:t>
+              <a:t>01/04/2019</a:t>
             </a:fld>
             <a:endParaRPr lang="id-ID"/>
           </a:p>
@@ -918,7 +925,7 @@
           <a:p>
             <a:fld id="{8475E680-575B-49F1-9FD0-EA1D7B55F590}" type="datetimeFigureOut">
               <a:rPr lang="id-ID" smtClean="0"/>
-              <a:t>23/03/2019</a:t>
+              <a:t>01/04/2019</a:t>
             </a:fld>
             <a:endParaRPr lang="id-ID"/>
           </a:p>
@@ -1202,7 +1209,7 @@
           <a:p>
             <a:fld id="{8475E680-575B-49F1-9FD0-EA1D7B55F590}" type="datetimeFigureOut">
               <a:rPr lang="id-ID" smtClean="0"/>
-              <a:t>23/03/2019</a:t>
+              <a:t>01/04/2019</a:t>
             </a:fld>
             <a:endParaRPr lang="id-ID"/>
           </a:p>
@@ -1528,7 +1535,7 @@
           <a:p>
             <a:fld id="{8475E680-575B-49F1-9FD0-EA1D7B55F590}" type="datetimeFigureOut">
               <a:rPr lang="id-ID" smtClean="0"/>
-              <a:t>23/03/2019</a:t>
+              <a:t>01/04/2019</a:t>
             </a:fld>
             <a:endParaRPr lang="id-ID"/>
           </a:p>
@@ -1953,7 +1960,7 @@
           <a:p>
             <a:fld id="{8475E680-575B-49F1-9FD0-EA1D7B55F590}" type="datetimeFigureOut">
               <a:rPr lang="id-ID" smtClean="0"/>
-              <a:t>23/03/2019</a:t>
+              <a:t>01/04/2019</a:t>
             </a:fld>
             <a:endParaRPr lang="id-ID"/>
           </a:p>
@@ -2126,7 +2133,7 @@
           <a:p>
             <a:fld id="{8475E680-575B-49F1-9FD0-EA1D7B55F590}" type="datetimeFigureOut">
               <a:rPr lang="id-ID" smtClean="0"/>
-              <a:t>23/03/2019</a:t>
+              <a:t>01/04/2019</a:t>
             </a:fld>
             <a:endParaRPr lang="id-ID"/>
           </a:p>
@@ -2216,7 +2223,7 @@
           <a:p>
             <a:fld id="{8475E680-575B-49F1-9FD0-EA1D7B55F590}" type="datetimeFigureOut">
               <a:rPr lang="id-ID" smtClean="0"/>
-              <a:t>23/03/2019</a:t>
+              <a:t>01/04/2019</a:t>
             </a:fld>
             <a:endParaRPr lang="id-ID"/>
           </a:p>
@@ -2496,7 +2503,7 @@
           <a:p>
             <a:fld id="{8475E680-575B-49F1-9FD0-EA1D7B55F590}" type="datetimeFigureOut">
               <a:rPr lang="id-ID" smtClean="0"/>
-              <a:t>23/03/2019</a:t>
+              <a:t>01/04/2019</a:t>
             </a:fld>
             <a:endParaRPr lang="id-ID"/>
           </a:p>
@@ -2795,7 +2802,7 @@
           <a:p>
             <a:fld id="{8475E680-575B-49F1-9FD0-EA1D7B55F590}" type="datetimeFigureOut">
               <a:rPr lang="id-ID" smtClean="0"/>
-              <a:t>23/03/2019</a:t>
+              <a:t>01/04/2019</a:t>
             </a:fld>
             <a:endParaRPr lang="id-ID"/>
           </a:p>
@@ -3005,7 +3012,7 @@
           <a:p>
             <a:fld id="{8475E680-575B-49F1-9FD0-EA1D7B55F590}" type="datetimeFigureOut">
               <a:rPr lang="id-ID" smtClean="0"/>
-              <a:t>23/03/2019</a:t>
+              <a:t>01/04/2019</a:t>
             </a:fld>
             <a:endParaRPr lang="id-ID"/>
           </a:p>
@@ -3566,10 +3573,24 @@
           <a:lstStyle/>
           <a:p>
             <a:r>
-              <a:rPr lang="id-ID" dirty="0" smtClean="0"/>
+              <a:rPr lang="id-ID" dirty="0" smtClean="0">
+                <a:solidFill>
+                  <a:schemeClr val="tx1">
+                    <a:lumMod val="95000"/>
+                    <a:lumOff val="5000"/>
+                  </a:schemeClr>
+                </a:solidFill>
+              </a:rPr>
               <a:t>Pengantar Algoritma Deep Learning</a:t>
             </a:r>
-            <a:endParaRPr lang="id-ID" dirty="0"/>
+            <a:endParaRPr lang="id-ID" dirty="0">
+              <a:solidFill>
+                <a:schemeClr val="tx1">
+                  <a:lumMod val="95000"/>
+                  <a:lumOff val="5000"/>
+                </a:schemeClr>
+              </a:solidFill>
+            </a:endParaRPr>
           </a:p>
         </p:txBody>
       </p:sp>
@@ -3591,22 +3612,50 @@
           <a:lstStyle/>
           <a:p>
             <a:r>
-              <a:rPr lang="id-ID" dirty="0" smtClean="0"/>
+              <a:rPr lang="id-ID" dirty="0" smtClean="0">
+                <a:solidFill>
+                  <a:schemeClr val="tx1">
+                    <a:lumMod val="95000"/>
+                    <a:lumOff val="5000"/>
+                  </a:schemeClr>
+                </a:solidFill>
+              </a:rPr>
               <a:t>Nama	:Jag Erdani Bhayang P</a:t>
             </a:r>
           </a:p>
           <a:p>
             <a:r>
-              <a:rPr lang="id-ID" dirty="0" smtClean="0"/>
+              <a:rPr lang="id-ID" dirty="0" smtClean="0">
+                <a:solidFill>
+                  <a:schemeClr val="tx1">
+                    <a:lumMod val="95000"/>
+                    <a:lumOff val="5000"/>
+                  </a:schemeClr>
+                </a:solidFill>
+              </a:rPr>
               <a:t>Kelas	: 4IA17</a:t>
             </a:r>
           </a:p>
           <a:p>
             <a:r>
-              <a:rPr lang="id-ID" dirty="0" smtClean="0"/>
+              <a:rPr lang="id-ID" dirty="0" smtClean="0">
+                <a:solidFill>
+                  <a:schemeClr val="tx1">
+                    <a:lumMod val="95000"/>
+                    <a:lumOff val="5000"/>
+                  </a:schemeClr>
+                </a:solidFill>
+              </a:rPr>
               <a:t>NPM	: 53415516</a:t>
             </a:r>
-            <a:endParaRPr lang="id-ID" dirty="0"/>
+            <a:endParaRPr lang="id-ID" dirty="0">
+              <a:solidFill>
+                <a:schemeClr val="tx1">
+                  <a:lumMod val="95000"/>
+                  <a:lumOff val="5000"/>
+                </a:schemeClr>
+              </a:solidFill>
+            </a:endParaRPr>
           </a:p>
         </p:txBody>
       </p:sp>
@@ -3620,6 +3669,18 @@
   <p:clrMapOvr>
     <a:masterClrMapping/>
   </p:clrMapOvr>
+  <mc:AlternateContent xmlns:mc="http://schemas.openxmlformats.org/markup-compatibility/2006" xmlns:p14="http://schemas.microsoft.com/office/powerpoint/2010/main">
+    <mc:Choice Requires="p14">
+      <p:transition spd="slow" p14:dur="800">
+        <p:circle/>
+      </p:transition>
+    </mc:Choice>
+    <mc:Fallback xmlns="">
+      <p:transition spd="slow">
+        <p:circle/>
+      </p:transition>
+    </mc:Fallback>
+  </mc:AlternateContent>
   <p:timing>
     <p:tnLst>
       <p:par>
@@ -3663,10 +3724,24 @@
           <a:lstStyle/>
           <a:p>
             <a:r>
-              <a:rPr lang="id-ID" dirty="0" smtClean="0"/>
+              <a:rPr lang="id-ID" dirty="0" smtClean="0">
+                <a:solidFill>
+                  <a:schemeClr val="tx1">
+                    <a:lumMod val="95000"/>
+                    <a:lumOff val="5000"/>
+                  </a:schemeClr>
+                </a:solidFill>
+              </a:rPr>
               <a:t>Variable Python</a:t>
             </a:r>
-            <a:endParaRPr lang="id-ID" dirty="0"/>
+            <a:endParaRPr lang="id-ID" dirty="0">
+              <a:solidFill>
+                <a:schemeClr val="tx1">
+                  <a:lumMod val="95000"/>
+                  <a:lumOff val="5000"/>
+                </a:schemeClr>
+              </a:solidFill>
+            </a:endParaRPr>
           </a:p>
         </p:txBody>
       </p:sp>
@@ -3773,6 +3848,9 @@
   <p:clrMapOvr>
     <a:masterClrMapping/>
   </p:clrMapOvr>
+  <p:transition spd="slow">
+    <p:push dir="u"/>
+  </p:transition>
   <p:timing>
     <p:tnLst>
       <p:par>
@@ -3816,10 +3894,24 @@
           <a:lstStyle/>
           <a:p>
             <a:r>
-              <a:rPr lang="id-ID" dirty="0" smtClean="0"/>
+              <a:rPr lang="id-ID" dirty="0" smtClean="0">
+                <a:solidFill>
+                  <a:schemeClr val="tx1">
+                    <a:lumMod val="95000"/>
+                    <a:lumOff val="5000"/>
+                  </a:schemeClr>
+                </a:solidFill>
+              </a:rPr>
               <a:t>Tipe Data Python </a:t>
             </a:r>
-            <a:endParaRPr lang="id-ID" dirty="0"/>
+            <a:endParaRPr lang="id-ID" dirty="0">
+              <a:solidFill>
+                <a:schemeClr val="tx1">
+                  <a:lumMod val="95000"/>
+                  <a:lumOff val="5000"/>
+                </a:schemeClr>
+              </a:solidFill>
+            </a:endParaRPr>
           </a:p>
         </p:txBody>
       </p:sp>
@@ -4826,6 +4918,9 @@
   <p:clrMapOvr>
     <a:masterClrMapping/>
   </p:clrMapOvr>
+  <p:transition spd="slow">
+    <p:push dir="u"/>
+  </p:transition>
   <p:timing>
     <p:tnLst>
       <p:par>
@@ -4869,10 +4964,24 @@
           <a:lstStyle/>
           <a:p>
             <a:r>
-              <a:rPr lang="id-ID" dirty="0" smtClean="0"/>
+              <a:rPr lang="id-ID" dirty="0" smtClean="0">
+                <a:solidFill>
+                  <a:schemeClr val="tx1">
+                    <a:lumMod val="95000"/>
+                    <a:lumOff val="5000"/>
+                  </a:schemeClr>
+                </a:solidFill>
+              </a:rPr>
               <a:t>Contoh List Python</a:t>
             </a:r>
-            <a:endParaRPr lang="id-ID" dirty="0"/>
+            <a:endParaRPr lang="id-ID" dirty="0">
+              <a:solidFill>
+                <a:schemeClr val="tx1">
+                  <a:lumMod val="95000"/>
+                  <a:lumOff val="5000"/>
+                </a:schemeClr>
+              </a:solidFill>
+            </a:endParaRPr>
           </a:p>
         </p:txBody>
       </p:sp>
@@ -5056,6 +5165,9 @@
   <p:clrMapOvr>
     <a:masterClrMapping/>
   </p:clrMapOvr>
+  <p:transition spd="slow">
+    <p:push dir="u"/>
+  </p:transition>
   <p:timing>
     <p:tnLst>
       <p:par>
@@ -5099,10 +5211,24 @@
           <a:lstStyle/>
           <a:p>
             <a:r>
-              <a:rPr lang="id-ID" dirty="0" smtClean="0"/>
+              <a:rPr lang="id-ID" dirty="0" smtClean="0">
+                <a:solidFill>
+                  <a:schemeClr val="tx1">
+                    <a:lumMod val="95000"/>
+                    <a:lumOff val="5000"/>
+                  </a:schemeClr>
+                </a:solidFill>
+              </a:rPr>
               <a:t>Update List Python</a:t>
             </a:r>
-            <a:endParaRPr lang="id-ID" dirty="0"/>
+            <a:endParaRPr lang="id-ID" dirty="0">
+              <a:solidFill>
+                <a:schemeClr val="tx1">
+                  <a:lumMod val="95000"/>
+                  <a:lumOff val="5000"/>
+                </a:schemeClr>
+              </a:solidFill>
+            </a:endParaRPr>
           </a:p>
         </p:txBody>
       </p:sp>
@@ -5273,6 +5399,9 @@
   <p:clrMapOvr>
     <a:masterClrMapping/>
   </p:clrMapOvr>
+  <p:transition spd="slow">
+    <p:push dir="u"/>
+  </p:transition>
   <p:timing>
     <p:tnLst>
       <p:par>
@@ -5316,10 +5445,24 @@
           <a:lstStyle/>
           <a:p>
             <a:r>
-              <a:rPr lang="id-ID" dirty="0" smtClean="0"/>
+              <a:rPr lang="id-ID" dirty="0" smtClean="0">
+                <a:solidFill>
+                  <a:schemeClr val="tx1">
+                    <a:lumMod val="95000"/>
+                    <a:lumOff val="5000"/>
+                  </a:schemeClr>
+                </a:solidFill>
+              </a:rPr>
               <a:t>Hapus List Python</a:t>
             </a:r>
-            <a:endParaRPr lang="id-ID" dirty="0"/>
+            <a:endParaRPr lang="id-ID" dirty="0">
+              <a:solidFill>
+                <a:schemeClr val="tx1">
+                  <a:lumMod val="95000"/>
+                  <a:lumOff val="5000"/>
+                </a:schemeClr>
+              </a:solidFill>
+            </a:endParaRPr>
           </a:p>
         </p:txBody>
       </p:sp>
@@ -5490,6 +5633,9 @@
   <p:clrMapOvr>
     <a:masterClrMapping/>
   </p:clrMapOvr>
+  <p:transition spd="slow">
+    <p:push dir="u"/>
+  </p:transition>
   <p:timing>
     <p:tnLst>
       <p:par>
@@ -5533,10 +5679,24 @@
           <a:lstStyle/>
           <a:p>
             <a:r>
-              <a:rPr lang="id-ID" dirty="0" smtClean="0"/>
+              <a:rPr lang="id-ID" dirty="0" smtClean="0">
+                <a:solidFill>
+                  <a:schemeClr val="tx1">
+                    <a:lumMod val="95000"/>
+                    <a:lumOff val="5000"/>
+                  </a:schemeClr>
+                </a:solidFill>
+              </a:rPr>
               <a:t>Contoh Tuple Python</a:t>
             </a:r>
-            <a:endParaRPr lang="id-ID" dirty="0"/>
+            <a:endParaRPr lang="id-ID" dirty="0">
+              <a:solidFill>
+                <a:schemeClr val="tx1">
+                  <a:lumMod val="95000"/>
+                  <a:lumOff val="5000"/>
+                </a:schemeClr>
+              </a:solidFill>
+            </a:endParaRPr>
           </a:p>
         </p:txBody>
       </p:sp>
@@ -5733,6 +5893,9 @@
   <p:clrMapOvr>
     <a:masterClrMapping/>
   </p:clrMapOvr>
+  <p:transition spd="slow">
+    <p:push dir="u"/>
+  </p:transition>
   <p:timing>
     <p:tnLst>
       <p:par>
@@ -5778,10 +5941,24 @@
           <a:lstStyle/>
           <a:p>
             <a:r>
-              <a:rPr lang="id-ID" dirty="0" smtClean="0"/>
+              <a:rPr lang="id-ID" dirty="0" smtClean="0">
+                <a:solidFill>
+                  <a:schemeClr val="tx1">
+                    <a:lumMod val="95000"/>
+                    <a:lumOff val="5000"/>
+                  </a:schemeClr>
+                </a:solidFill>
+              </a:rPr>
               <a:t>Contoh Dictionary Python</a:t>
             </a:r>
-            <a:endParaRPr lang="id-ID" dirty="0"/>
+            <a:endParaRPr lang="id-ID" dirty="0">
+              <a:solidFill>
+                <a:schemeClr val="tx1">
+                  <a:lumMod val="95000"/>
+                  <a:lumOff val="5000"/>
+                </a:schemeClr>
+              </a:solidFill>
+            </a:endParaRPr>
           </a:p>
         </p:txBody>
       </p:sp>
@@ -5968,6 +6145,9 @@
   <p:clrMapOvr>
     <a:masterClrMapping/>
   </p:clrMapOvr>
+  <p:transition spd="slow">
+    <p:push dir="u"/>
+  </p:transition>
   <p:timing>
     <p:tnLst>
       <p:par>
@@ -6016,14 +6196,24 @@
           <a:lstStyle/>
           <a:p>
             <a:r>
-              <a:rPr lang="id-ID" dirty="0" smtClean="0"/>
-              <a:t>Fungsi </a:t>
-            </a:r>
-            <a:r>
-              <a:rPr lang="id-ID" dirty="0" smtClean="0"/>
-              <a:t>Pada Python</a:t>
-            </a:r>
-            <a:endParaRPr lang="id-ID" dirty="0"/>
+              <a:rPr lang="id-ID" dirty="0" smtClean="0">
+                <a:solidFill>
+                  <a:schemeClr val="tx1">
+                    <a:lumMod val="95000"/>
+                    <a:lumOff val="5000"/>
+                  </a:schemeClr>
+                </a:solidFill>
+              </a:rPr>
+              <a:t>Fungsi Pada Python</a:t>
+            </a:r>
+            <a:endParaRPr lang="id-ID" dirty="0">
+              <a:solidFill>
+                <a:schemeClr val="tx1">
+                  <a:lumMod val="95000"/>
+                  <a:lumOff val="5000"/>
+                </a:schemeClr>
+              </a:solidFill>
+            </a:endParaRPr>
           </a:p>
         </p:txBody>
       </p:sp>
@@ -6050,8 +6240,12 @@
           <a:lstStyle/>
           <a:p>
             <a:r>
+              <a:rPr lang="id-ID" smtClean="0"/>
+              <a:t>Fungsi </a:t>
+            </a:r>
+            <a:r>
               <a:rPr lang="id-ID" dirty="0"/>
-              <a:t>Fungsi adalah blok kode terorganisir dan dapat digunakan kembali yang digunakan untuk melakukan sebuah tindakan/action. Fungsi memberikan modularitas yang lebih baik untuk aplikasi Anda dan tingkat penggunaan kode yang tinggi</a:t>
+              <a:t>adalah blok kode terorganisir dan dapat digunakan kembali yang digunakan untuk melakukan sebuah tindakan/action. Fungsi memberikan modularitas yang lebih baik untuk aplikasi Anda dan tingkat penggunaan kode yang tinggi</a:t>
             </a:r>
             <a:r>
               <a:rPr lang="id-ID" dirty="0" smtClean="0"/>
@@ -6132,6 +6326,9 @@
   <p:clrMapOvr>
     <a:masterClrMapping/>
   </p:clrMapOvr>
+  <p:transition spd="slow">
+    <p:push dir="u"/>
+  </p:transition>
   <p:timing>
     <p:tnLst>
       <p:par>
@@ -6180,10 +6377,24 @@
           <a:lstStyle/>
           <a:p>
             <a:r>
-              <a:rPr lang="id-ID" dirty="0" smtClean="0"/>
+              <a:rPr lang="id-ID" dirty="0" smtClean="0">
+                <a:solidFill>
+                  <a:schemeClr val="tx1">
+                    <a:lumMod val="95000"/>
+                    <a:lumOff val="5000"/>
+                  </a:schemeClr>
+                </a:solidFill>
+              </a:rPr>
               <a:t>Operator Python</a:t>
             </a:r>
-            <a:endParaRPr lang="id-ID" dirty="0"/>
+            <a:endParaRPr lang="id-ID" dirty="0">
+              <a:solidFill>
+                <a:schemeClr val="tx1">
+                  <a:lumMod val="95000"/>
+                  <a:lumOff val="5000"/>
+                </a:schemeClr>
+              </a:solidFill>
+            </a:endParaRPr>
           </a:p>
         </p:txBody>
       </p:sp>
@@ -6325,6 +6536,9 @@
   <p:clrMapOvr>
     <a:masterClrMapping/>
   </p:clrMapOvr>
+  <p:transition spd="slow">
+    <p:push dir="u"/>
+  </p:transition>
   <p:timing>
     <p:tnLst>
       <p:par>
@@ -6368,10 +6582,24 @@
           <a:lstStyle/>
           <a:p>
             <a:r>
-              <a:rPr lang="id-ID" dirty="0" smtClean="0"/>
+              <a:rPr lang="id-ID" dirty="0" smtClean="0">
+                <a:solidFill>
+                  <a:schemeClr val="tx1">
+                    <a:lumMod val="95000"/>
+                    <a:lumOff val="5000"/>
+                  </a:schemeClr>
+                </a:solidFill>
+              </a:rPr>
               <a:t>Operator Python</a:t>
             </a:r>
-            <a:endParaRPr lang="id-ID" dirty="0"/>
+            <a:endParaRPr lang="id-ID" dirty="0">
+              <a:solidFill>
+                <a:schemeClr val="tx1">
+                  <a:lumMod val="95000"/>
+                  <a:lumOff val="5000"/>
+                </a:schemeClr>
+              </a:solidFill>
+            </a:endParaRPr>
           </a:p>
         </p:txBody>
       </p:sp>
@@ -7218,6 +7446,9 @@
   <p:clrMapOvr>
     <a:masterClrMapping/>
   </p:clrMapOvr>
+  <p:transition spd="slow">
+    <p:push dir="u"/>
+  </p:transition>
   <p:timing>
     <p:tnLst>
       <p:par>
@@ -7261,10 +7492,24 @@
           <a:lstStyle/>
           <a:p>
             <a:r>
-              <a:rPr lang="id-ID" dirty="0" smtClean="0"/>
+              <a:rPr lang="id-ID" dirty="0" smtClean="0">
+                <a:solidFill>
+                  <a:schemeClr val="tx1">
+                    <a:lumMod val="95000"/>
+                    <a:lumOff val="5000"/>
+                  </a:schemeClr>
+                </a:solidFill>
+              </a:rPr>
               <a:t>Pengenalan Python </a:t>
             </a:r>
-            <a:endParaRPr lang="id-ID" dirty="0"/>
+            <a:endParaRPr lang="id-ID" dirty="0">
+              <a:solidFill>
+                <a:schemeClr val="tx1">
+                  <a:lumMod val="95000"/>
+                  <a:lumOff val="5000"/>
+                </a:schemeClr>
+              </a:solidFill>
+            </a:endParaRPr>
           </a:p>
         </p:txBody>
       </p:sp>
@@ -7333,6 +7578,9 @@
   <p:clrMapOvr>
     <a:masterClrMapping/>
   </p:clrMapOvr>
+  <p:transition spd="slow">
+    <p:push dir="u"/>
+  </p:transition>
   <p:timing>
     <p:tnLst>
       <p:par>
@@ -7381,10 +7629,24 @@
           <a:lstStyle/>
           <a:p>
             <a:r>
-              <a:rPr lang="id-ID" dirty="0" smtClean="0"/>
+              <a:rPr lang="id-ID" dirty="0" smtClean="0">
+                <a:solidFill>
+                  <a:schemeClr val="tx1">
+                    <a:lumMod val="95000"/>
+                    <a:lumOff val="5000"/>
+                  </a:schemeClr>
+                </a:solidFill>
+              </a:rPr>
               <a:t>Looping Python</a:t>
             </a:r>
-            <a:endParaRPr lang="id-ID" dirty="0"/>
+            <a:endParaRPr lang="id-ID" dirty="0">
+              <a:solidFill>
+                <a:schemeClr val="tx1">
+                  <a:lumMod val="95000"/>
+                  <a:lumOff val="5000"/>
+                </a:schemeClr>
+              </a:solidFill>
+            </a:endParaRPr>
           </a:p>
         </p:txBody>
       </p:sp>
@@ -7477,6 +7739,9 @@
   <p:clrMapOvr>
     <a:masterClrMapping/>
   </p:clrMapOvr>
+  <p:transition spd="slow">
+    <p:push dir="u"/>
+  </p:transition>
   <p:timing>
     <p:tnLst>
       <p:par>
@@ -7525,10 +7790,24 @@
           <a:lstStyle/>
           <a:p>
             <a:r>
-              <a:rPr lang="id-ID" dirty="0" smtClean="0"/>
+              <a:rPr lang="id-ID" dirty="0" smtClean="0">
+                <a:solidFill>
+                  <a:schemeClr val="tx1">
+                    <a:lumMod val="95000"/>
+                    <a:lumOff val="5000"/>
+                  </a:schemeClr>
+                </a:solidFill>
+              </a:rPr>
               <a:t>While Loop Python</a:t>
             </a:r>
-            <a:endParaRPr lang="id-ID" dirty="0"/>
+            <a:endParaRPr lang="id-ID" dirty="0">
+              <a:solidFill>
+                <a:schemeClr val="tx1">
+                  <a:lumMod val="95000"/>
+                  <a:lumOff val="5000"/>
+                </a:schemeClr>
+              </a:solidFill>
+            </a:endParaRPr>
           </a:p>
         </p:txBody>
       </p:sp>
@@ -7713,6 +7992,9 @@
   <p:clrMapOvr>
     <a:masterClrMapping/>
   </p:clrMapOvr>
+  <p:transition spd="slow">
+    <p:push dir="u"/>
+  </p:transition>
   <p:timing>
     <p:tnLst>
       <p:par>
@@ -7761,10 +8043,24 @@
           <a:lstStyle/>
           <a:p>
             <a:r>
-              <a:rPr lang="id-ID" dirty="0" smtClean="0"/>
+              <a:rPr lang="id-ID" dirty="0" smtClean="0">
+                <a:solidFill>
+                  <a:schemeClr val="tx1">
+                    <a:lumMod val="95000"/>
+                    <a:lumOff val="5000"/>
+                  </a:schemeClr>
+                </a:solidFill>
+              </a:rPr>
               <a:t>For Loop Python</a:t>
             </a:r>
-            <a:endParaRPr lang="id-ID" dirty="0"/>
+            <a:endParaRPr lang="id-ID" dirty="0">
+              <a:solidFill>
+                <a:schemeClr val="tx1">
+                  <a:lumMod val="95000"/>
+                  <a:lumOff val="5000"/>
+                </a:schemeClr>
+              </a:solidFill>
+            </a:endParaRPr>
           </a:p>
         </p:txBody>
       </p:sp>
@@ -7949,6 +8245,9 @@
   <p:clrMapOvr>
     <a:masterClrMapping/>
   </p:clrMapOvr>
+  <p:transition spd="slow">
+    <p:push dir="u"/>
+  </p:transition>
   <p:timing>
     <p:tnLst>
       <p:par>
@@ -7997,10 +8296,24 @@
           <a:lstStyle/>
           <a:p>
             <a:r>
-              <a:rPr lang="id-ID" dirty="0" smtClean="0"/>
+              <a:rPr lang="id-ID" dirty="0" smtClean="0">
+                <a:solidFill>
+                  <a:schemeClr val="tx1">
+                    <a:lumMod val="95000"/>
+                    <a:lumOff val="5000"/>
+                  </a:schemeClr>
+                </a:solidFill>
+              </a:rPr>
               <a:t>Nested Loop Python</a:t>
             </a:r>
-            <a:endParaRPr lang="id-ID" dirty="0"/>
+            <a:endParaRPr lang="id-ID" dirty="0">
+              <a:solidFill>
+                <a:schemeClr val="tx1">
+                  <a:lumMod val="95000"/>
+                  <a:lumOff val="5000"/>
+                </a:schemeClr>
+              </a:solidFill>
+            </a:endParaRPr>
           </a:p>
         </p:txBody>
       </p:sp>
@@ -8185,6 +8498,9 @@
   <p:clrMapOvr>
     <a:masterClrMapping/>
   </p:clrMapOvr>
+  <p:transition spd="slow">
+    <p:push dir="u"/>
+  </p:transition>
   <p:timing>
     <p:tnLst>
       <p:par>
@@ -8233,10 +8549,24 @@
           <a:lstStyle/>
           <a:p>
             <a:r>
-              <a:rPr lang="id-ID" dirty="0" smtClean="0"/>
+              <a:rPr lang="id-ID" dirty="0" smtClean="0">
+                <a:solidFill>
+                  <a:schemeClr val="tx1">
+                    <a:lumMod val="95000"/>
+                    <a:lumOff val="5000"/>
+                  </a:schemeClr>
+                </a:solidFill>
+              </a:rPr>
               <a:t>Kondisi If Python</a:t>
             </a:r>
-            <a:endParaRPr lang="id-ID" dirty="0"/>
+            <a:endParaRPr lang="id-ID" dirty="0">
+              <a:solidFill>
+                <a:schemeClr val="tx1">
+                  <a:lumMod val="95000"/>
+                  <a:lumOff val="5000"/>
+                </a:schemeClr>
+              </a:solidFill>
+            </a:endParaRPr>
           </a:p>
         </p:txBody>
       </p:sp>
@@ -8318,6 +8648,9 @@
   <p:clrMapOvr>
     <a:masterClrMapping/>
   </p:clrMapOvr>
+  <p:transition spd="slow">
+    <p:push dir="u"/>
+  </p:transition>
   <p:timing>
     <p:tnLst>
       <p:par>
@@ -8366,10 +8699,24 @@
           <a:lstStyle/>
           <a:p>
             <a:r>
-              <a:rPr lang="id-ID" dirty="0" smtClean="0"/>
+              <a:rPr lang="id-ID" dirty="0" smtClean="0">
+                <a:solidFill>
+                  <a:schemeClr val="tx1">
+                    <a:lumMod val="95000"/>
+                    <a:lumOff val="5000"/>
+                  </a:schemeClr>
+                </a:solidFill>
+              </a:rPr>
               <a:t>Kondisi If Python</a:t>
             </a:r>
-            <a:endParaRPr lang="id-ID" dirty="0"/>
+            <a:endParaRPr lang="id-ID" dirty="0">
+              <a:solidFill>
+                <a:schemeClr val="tx1">
+                  <a:lumMod val="95000"/>
+                  <a:lumOff val="5000"/>
+                </a:schemeClr>
+              </a:solidFill>
+            </a:endParaRPr>
           </a:p>
         </p:txBody>
       </p:sp>
@@ -8540,6 +8887,9 @@
   <p:clrMapOvr>
     <a:masterClrMapping/>
   </p:clrMapOvr>
+  <p:transition spd="slow">
+    <p:push dir="u"/>
+  </p:transition>
   <p:timing>
     <p:tnLst>
       <p:par>
@@ -8588,10 +8938,24 @@
           <a:lstStyle/>
           <a:p>
             <a:r>
-              <a:rPr lang="id-ID" dirty="0" smtClean="0"/>
+              <a:rPr lang="id-ID" dirty="0" smtClean="0">
+                <a:solidFill>
+                  <a:schemeClr val="tx1">
+                    <a:lumMod val="95000"/>
+                    <a:lumOff val="5000"/>
+                  </a:schemeClr>
+                </a:solidFill>
+              </a:rPr>
               <a:t>Kondisi IfElse Python</a:t>
             </a:r>
-            <a:endParaRPr lang="id-ID" dirty="0"/>
+            <a:endParaRPr lang="id-ID" dirty="0">
+              <a:solidFill>
+                <a:schemeClr val="tx1">
+                  <a:lumMod val="95000"/>
+                  <a:lumOff val="5000"/>
+                </a:schemeClr>
+              </a:solidFill>
+            </a:endParaRPr>
           </a:p>
         </p:txBody>
       </p:sp>
@@ -8673,6 +9037,9 @@
   <p:clrMapOvr>
     <a:masterClrMapping/>
   </p:clrMapOvr>
+  <p:transition spd="slow">
+    <p:push dir="u"/>
+  </p:transition>
   <p:timing>
     <p:tnLst>
       <p:par>
@@ -8721,10 +9088,24 @@
           <a:lstStyle/>
           <a:p>
             <a:r>
-              <a:rPr lang="id-ID" dirty="0" smtClean="0"/>
+              <a:rPr lang="id-ID" dirty="0" smtClean="0">
+                <a:solidFill>
+                  <a:schemeClr val="tx1">
+                    <a:lumMod val="95000"/>
+                    <a:lumOff val="5000"/>
+                  </a:schemeClr>
+                </a:solidFill>
+              </a:rPr>
               <a:t>Kondisi IfElse Python</a:t>
             </a:r>
-            <a:endParaRPr lang="id-ID" dirty="0"/>
+            <a:endParaRPr lang="id-ID" dirty="0">
+              <a:solidFill>
+                <a:schemeClr val="tx1">
+                  <a:lumMod val="95000"/>
+                  <a:lumOff val="5000"/>
+                </a:schemeClr>
+              </a:solidFill>
+            </a:endParaRPr>
           </a:p>
         </p:txBody>
       </p:sp>
@@ -8900,6 +9281,9 @@
   <p:clrMapOvr>
     <a:masterClrMapping/>
   </p:clrMapOvr>
+  <p:transition spd="slow">
+    <p:push dir="u"/>
+  </p:transition>
   <p:timing>
     <p:tnLst>
       <p:par>
@@ -8948,10 +9332,24 @@
           <a:lstStyle/>
           <a:p>
             <a:r>
-              <a:rPr lang="id-ID" dirty="0" smtClean="0"/>
+              <a:rPr lang="id-ID" dirty="0" smtClean="0">
+                <a:solidFill>
+                  <a:schemeClr val="tx1">
+                    <a:lumMod val="95000"/>
+                    <a:lumOff val="5000"/>
+                  </a:schemeClr>
+                </a:solidFill>
+              </a:rPr>
               <a:t>Kondisi Elif Python</a:t>
             </a:r>
-            <a:endParaRPr lang="id-ID" dirty="0"/>
+            <a:endParaRPr lang="id-ID" dirty="0">
+              <a:solidFill>
+                <a:schemeClr val="tx1">
+                  <a:lumMod val="95000"/>
+                  <a:lumOff val="5000"/>
+                </a:schemeClr>
+              </a:solidFill>
+            </a:endParaRPr>
           </a:p>
         </p:txBody>
       </p:sp>
@@ -9169,6 +9567,9 @@
   <p:clrMapOvr>
     <a:masterClrMapping/>
   </p:clrMapOvr>
+  <p:transition spd="slow">
+    <p:push dir="u"/>
+  </p:transition>
   <p:timing>
     <p:tnLst>
       <p:par>
@@ -9198,91 +9599,345 @@
       </p:grpSpPr>
       <p:sp>
         <p:nvSpPr>
-          <p:cNvPr id="4" name="TextBox 3"/>
-          <p:cNvSpPr txBox="1"/>
-          <p:nvPr/>
+          <p:cNvPr id="2" name="Title 1"/>
+          <p:cNvSpPr>
+            <a:spLocks noGrp="1"/>
+          </p:cNvSpPr>
+          <p:nvPr>
+            <p:ph type="title"/>
+          </p:nvPr>
         </p:nvSpPr>
-        <p:spPr>
-          <a:xfrm>
-            <a:off x="755576" y="692696"/>
-            <a:ext cx="7560840" cy="1477328"/>
-          </a:xfrm>
-          <a:prstGeom prst="rect">
-            <a:avLst/>
-          </a:prstGeom>
-          <a:noFill/>
-        </p:spPr>
+        <p:spPr/>
         <p:txBody>
-          <a:bodyPr wrap="square" rtlCol="0">
-            <a:spAutoFit/>
-          </a:bodyPr>
+          <a:bodyPr/>
           <a:lstStyle/>
           <a:p>
             <a:r>
-              <a:rPr lang="id-ID" b="1" dirty="0" smtClean="0"/>
-              <a:t>Daftar Pustaka</a:t>
-            </a:r>
-          </a:p>
-          <a:p>
-            <a:endParaRPr lang="id-ID" b="1" dirty="0"/>
-          </a:p>
-          <a:p>
-            <a:r>
-              <a:rPr lang="id-ID" dirty="0">
-                <a:hlinkClick r:id="rId2"/>
-              </a:rPr>
-              <a:t>https://</a:t>
-            </a:r>
-            <a:r>
-              <a:rPr lang="id-ID" dirty="0" smtClean="0">
-                <a:hlinkClick r:id="rId2"/>
-              </a:rPr>
-              <a:t>belajarpython.com/tutorial/apa-itu-python</a:t>
-            </a:r>
-            <a:endParaRPr lang="id-ID" dirty="0" smtClean="0"/>
-          </a:p>
-          <a:p>
-            <a:r>
-              <a:rPr lang="en-US" dirty="0">
-                <a:hlinkClick r:id="rId3"/>
-              </a:rPr>
-              <a:t>https://</a:t>
-            </a:r>
-            <a:r>
-              <a:rPr lang="en-US" dirty="0" smtClean="0">
-                <a:hlinkClick r:id="rId3"/>
-              </a:rPr>
-              <a:t>wiki.python.org/moin/UsefulModules</a:t>
-            </a:r>
-            <a:endParaRPr lang="id-ID" dirty="0" smtClean="0"/>
-          </a:p>
-          <a:p>
-            <a:r>
-              <a:rPr lang="id-ID" dirty="0" smtClean="0">
-                <a:hlinkClick r:id="rId4"/>
-              </a:rPr>
-              <a:t>https</a:t>
-            </a:r>
-            <a:r>
-              <a:rPr lang="id-ID" dirty="0">
-                <a:hlinkClick r:id="rId4"/>
-              </a:rPr>
-              <a:t>://</a:t>
-            </a:r>
-            <a:r>
-              <a:rPr lang="id-ID" dirty="0" smtClean="0">
-                <a:hlinkClick r:id="rId4"/>
-              </a:rPr>
-              <a:t>stackoverflow.com/questions/3220404/why-use-pip-over-easy-install</a:t>
-            </a:r>
-            <a:endParaRPr lang="id-ID" dirty="0" smtClean="0"/>
+              <a:rPr lang="en-US" dirty="0" err="1" smtClean="0"/>
+              <a:t>Apa</a:t>
+            </a:r>
+            <a:r>
+              <a:rPr lang="en-US" dirty="0" smtClean="0"/>
+              <a:t> </a:t>
+            </a:r>
+            <a:r>
+              <a:rPr lang="en-US" dirty="0" err="1" smtClean="0"/>
+              <a:t>itu</a:t>
+            </a:r>
+            <a:r>
+              <a:rPr lang="en-US" dirty="0" smtClean="0"/>
+              <a:t> </a:t>
+            </a:r>
+            <a:r>
+              <a:rPr lang="en-US" dirty="0" err="1" smtClean="0"/>
+              <a:t>jupyter</a:t>
+            </a:r>
+            <a:r>
+              <a:rPr lang="en-US" dirty="0" smtClean="0"/>
+              <a:t> ?</a:t>
+            </a:r>
+            <a:endParaRPr lang="en-US" dirty="0"/>
+          </a:p>
+        </p:txBody>
+      </p:sp>
+      <p:sp>
+        <p:nvSpPr>
+          <p:cNvPr id="3" name="Content Placeholder 2"/>
+          <p:cNvSpPr>
+            <a:spLocks noGrp="1"/>
+          </p:cNvSpPr>
+          <p:nvPr>
+            <p:ph idx="1"/>
+          </p:nvPr>
+        </p:nvSpPr>
+        <p:spPr/>
+        <p:txBody>
+          <a:bodyPr/>
+          <a:lstStyle/>
+          <a:p>
+            <a:r>
+              <a:rPr lang="en-US" dirty="0"/>
+              <a:t>The </a:t>
+            </a:r>
+            <a:r>
+              <a:rPr lang="en-US" dirty="0" err="1"/>
+              <a:t>Jupyter</a:t>
+            </a:r>
+            <a:r>
+              <a:rPr lang="en-US" dirty="0"/>
+              <a:t> Notebook </a:t>
+            </a:r>
+            <a:r>
+              <a:rPr lang="en-US" dirty="0" err="1"/>
+              <a:t>adalah</a:t>
+            </a:r>
+            <a:r>
+              <a:rPr lang="en-US" dirty="0"/>
+              <a:t> </a:t>
+            </a:r>
+            <a:r>
+              <a:rPr lang="en-US" dirty="0" err="1"/>
+              <a:t>aplikasi</a:t>
+            </a:r>
+            <a:r>
+              <a:rPr lang="en-US" dirty="0"/>
+              <a:t> web </a:t>
+            </a:r>
+            <a:r>
+              <a:rPr lang="en-US" dirty="0" err="1"/>
+              <a:t>sumber</a:t>
+            </a:r>
+            <a:r>
+              <a:rPr lang="en-US" dirty="0"/>
+              <a:t> </a:t>
+            </a:r>
+            <a:r>
+              <a:rPr lang="en-US" dirty="0" err="1"/>
+              <a:t>terbuka</a:t>
+            </a:r>
+            <a:r>
+              <a:rPr lang="en-US" dirty="0"/>
+              <a:t> yang </a:t>
+            </a:r>
+            <a:r>
+              <a:rPr lang="en-US" dirty="0" err="1"/>
+              <a:t>memungkinkan</a:t>
+            </a:r>
+            <a:r>
+              <a:rPr lang="en-US" dirty="0"/>
+              <a:t> </a:t>
+            </a:r>
+            <a:r>
+              <a:rPr lang="en-US" dirty="0" err="1"/>
+              <a:t>Anda</a:t>
+            </a:r>
+            <a:r>
+              <a:rPr lang="en-US" dirty="0"/>
+              <a:t> </a:t>
+            </a:r>
+            <a:r>
+              <a:rPr lang="en-US" dirty="0" err="1"/>
+              <a:t>membuat</a:t>
+            </a:r>
+            <a:r>
+              <a:rPr lang="en-US" dirty="0"/>
+              <a:t> </a:t>
+            </a:r>
+            <a:r>
+              <a:rPr lang="en-US" dirty="0" err="1"/>
+              <a:t>dan</a:t>
+            </a:r>
+            <a:r>
+              <a:rPr lang="en-US" dirty="0"/>
+              <a:t> </a:t>
+            </a:r>
+            <a:r>
+              <a:rPr lang="en-US" dirty="0" err="1"/>
+              <a:t>berbagi</a:t>
+            </a:r>
+            <a:r>
+              <a:rPr lang="en-US" dirty="0"/>
+              <a:t> </a:t>
+            </a:r>
+            <a:r>
+              <a:rPr lang="en-US" dirty="0" err="1"/>
+              <a:t>dokumen</a:t>
+            </a:r>
+            <a:r>
+              <a:rPr lang="en-US" dirty="0"/>
+              <a:t> yang </a:t>
+            </a:r>
+            <a:r>
+              <a:rPr lang="en-US" dirty="0" err="1"/>
+              <a:t>berisi</a:t>
+            </a:r>
+            <a:r>
+              <a:rPr lang="en-US" dirty="0"/>
+              <a:t> </a:t>
+            </a:r>
+            <a:r>
+              <a:rPr lang="en-US" dirty="0" err="1"/>
+              <a:t>kode</a:t>
+            </a:r>
+            <a:r>
+              <a:rPr lang="en-US" dirty="0"/>
+              <a:t> </a:t>
+            </a:r>
+            <a:r>
+              <a:rPr lang="en-US" dirty="0" err="1"/>
+              <a:t>langsung</a:t>
+            </a:r>
+            <a:r>
+              <a:rPr lang="en-US" dirty="0"/>
+              <a:t>, </a:t>
+            </a:r>
+            <a:r>
+              <a:rPr lang="en-US" dirty="0" err="1"/>
+              <a:t>persamaan</a:t>
+            </a:r>
+            <a:r>
+              <a:rPr lang="en-US" dirty="0"/>
+              <a:t>, </a:t>
+            </a:r>
+            <a:r>
+              <a:rPr lang="en-US" dirty="0" err="1"/>
+              <a:t>visualisasi</a:t>
+            </a:r>
+            <a:r>
+              <a:rPr lang="en-US" dirty="0"/>
+              <a:t>, </a:t>
+            </a:r>
+            <a:r>
+              <a:rPr lang="en-US" dirty="0" err="1"/>
+              <a:t>dan</a:t>
+            </a:r>
+            <a:r>
+              <a:rPr lang="en-US" dirty="0"/>
+              <a:t> </a:t>
+            </a:r>
+            <a:r>
+              <a:rPr lang="en-US" dirty="0" err="1"/>
+              <a:t>teks</a:t>
+            </a:r>
+            <a:r>
+              <a:rPr lang="en-US" dirty="0"/>
+              <a:t> </a:t>
+            </a:r>
+            <a:r>
+              <a:rPr lang="en-US" dirty="0" err="1"/>
+              <a:t>naratif</a:t>
+            </a:r>
+            <a:r>
+              <a:rPr lang="en-US" dirty="0"/>
+              <a:t>. </a:t>
+            </a:r>
+            <a:r>
+              <a:rPr lang="en-US" dirty="0" err="1"/>
+              <a:t>Penggunaan</a:t>
+            </a:r>
+            <a:r>
+              <a:rPr lang="en-US" dirty="0"/>
+              <a:t> </a:t>
+            </a:r>
+            <a:r>
+              <a:rPr lang="en-US" dirty="0" err="1"/>
+              <a:t>meliputi</a:t>
+            </a:r>
+            <a:r>
+              <a:rPr lang="en-US" dirty="0"/>
+              <a:t>: </a:t>
+            </a:r>
+            <a:r>
+              <a:rPr lang="en-US" dirty="0" err="1"/>
+              <a:t>pembersihan</a:t>
+            </a:r>
+            <a:r>
+              <a:rPr lang="en-US" dirty="0"/>
+              <a:t> </a:t>
+            </a:r>
+            <a:r>
+              <a:rPr lang="en-US" dirty="0" err="1"/>
+              <a:t>dan</a:t>
+            </a:r>
+            <a:r>
+              <a:rPr lang="en-US" dirty="0"/>
+              <a:t> </a:t>
+            </a:r>
+            <a:r>
+              <a:rPr lang="en-US" dirty="0" err="1"/>
+              <a:t>transformasi</a:t>
+            </a:r>
+            <a:r>
+              <a:rPr lang="en-US" dirty="0"/>
+              <a:t> data, </a:t>
+            </a:r>
+            <a:r>
+              <a:rPr lang="en-US" dirty="0" err="1"/>
+              <a:t>simulasi</a:t>
+            </a:r>
+            <a:r>
+              <a:rPr lang="en-US" dirty="0"/>
+              <a:t> </a:t>
+            </a:r>
+            <a:r>
+              <a:rPr lang="en-US" dirty="0" err="1"/>
+              <a:t>numerik</a:t>
+            </a:r>
+            <a:r>
+              <a:rPr lang="en-US" dirty="0"/>
+              <a:t>, </a:t>
+            </a:r>
+            <a:r>
+              <a:rPr lang="en-US" dirty="0" err="1"/>
+              <a:t>pemodelan</a:t>
+            </a:r>
+            <a:r>
+              <a:rPr lang="en-US" dirty="0"/>
+              <a:t> </a:t>
+            </a:r>
+            <a:r>
+              <a:rPr lang="en-US" dirty="0" err="1"/>
+              <a:t>statistik</a:t>
+            </a:r>
+            <a:r>
+              <a:rPr lang="en-US" dirty="0"/>
+              <a:t>, </a:t>
+            </a:r>
+            <a:r>
+              <a:rPr lang="en-US" dirty="0" err="1"/>
+              <a:t>visualisasi</a:t>
+            </a:r>
+            <a:r>
+              <a:rPr lang="en-US" dirty="0"/>
+              <a:t> data, </a:t>
+            </a:r>
+            <a:r>
+              <a:rPr lang="en-US" dirty="0" err="1"/>
+              <a:t>pembelajaran</a:t>
+            </a:r>
+            <a:r>
+              <a:rPr lang="en-US" dirty="0"/>
+              <a:t> </a:t>
+            </a:r>
+            <a:r>
+              <a:rPr lang="en-US" dirty="0" err="1"/>
+              <a:t>mesin</a:t>
+            </a:r>
+            <a:r>
+              <a:rPr lang="en-US" dirty="0"/>
+              <a:t>, </a:t>
+            </a:r>
+            <a:r>
+              <a:rPr lang="en-US" dirty="0" err="1"/>
+              <a:t>dan</a:t>
+            </a:r>
+            <a:r>
+              <a:rPr lang="en-US" dirty="0"/>
+              <a:t> </a:t>
+            </a:r>
+            <a:r>
+              <a:rPr lang="en-US" dirty="0" err="1"/>
+              <a:t>banyak</a:t>
+            </a:r>
+            <a:r>
+              <a:rPr lang="en-US" dirty="0"/>
+              <a:t> </a:t>
+            </a:r>
+            <a:r>
+              <a:rPr lang="en-US" dirty="0" err="1"/>
+              <a:t>lagi</a:t>
+            </a:r>
+            <a:r>
+              <a:rPr lang="en-US" dirty="0"/>
+              <a:t>.</a:t>
+            </a:r>
           </a:p>
         </p:txBody>
       </p:sp>
     </p:spTree>
     <p:extLst>
       <p:ext uri="{BB962C8B-B14F-4D97-AF65-F5344CB8AC3E}">
-        <p14:creationId xmlns:p14="http://schemas.microsoft.com/office/powerpoint/2010/main" val="102292863"/>
+        <p14:creationId xmlns:p14="http://schemas.microsoft.com/office/powerpoint/2010/main" val="3777405618"/>
       </p:ext>
     </p:extLst>
   </p:cSld>
@@ -9325,10 +9980,24 @@
           <a:lstStyle/>
           <a:p>
             <a:r>
-              <a:rPr lang="id-ID" dirty="0" smtClean="0"/>
+              <a:rPr lang="id-ID" dirty="0" smtClean="0">
+                <a:solidFill>
+                  <a:schemeClr val="tx1">
+                    <a:lumMod val="95000"/>
+                    <a:lumOff val="5000"/>
+                  </a:schemeClr>
+                </a:solidFill>
+              </a:rPr>
               <a:t>Pengenalan Python </a:t>
             </a:r>
-            <a:endParaRPr lang="id-ID" dirty="0"/>
+            <a:endParaRPr lang="id-ID" dirty="0">
+              <a:solidFill>
+                <a:schemeClr val="tx1">
+                  <a:lumMod val="95000"/>
+                  <a:lumOff val="5000"/>
+                </a:schemeClr>
+              </a:solidFill>
+            </a:endParaRPr>
           </a:p>
         </p:txBody>
       </p:sp>
@@ -9532,6 +10201,1655 @@
   <p:clrMapOvr>
     <a:masterClrMapping/>
   </p:clrMapOvr>
+  <p:transition spd="slow">
+    <p:push dir="u"/>
+  </p:transition>
+  <p:timing>
+    <p:tnLst>
+      <p:par>
+        <p:cTn id="1" dur="indefinite" restart="never" nodeType="tmRoot"/>
+      </p:par>
+    </p:tnLst>
+  </p:timing>
+</p:sld>
+</file>
+
+<file path=ppt/slides/slide30.xml><?xml version="1.0" encoding="utf-8"?>
+<p:sld xmlns:a="http://schemas.openxmlformats.org/drawingml/2006/main" xmlns:r="http://schemas.openxmlformats.org/officeDocument/2006/relationships" xmlns:p="http://schemas.openxmlformats.org/presentationml/2006/main">
+  <p:cSld>
+    <p:spTree>
+      <p:nvGrpSpPr>
+        <p:cNvPr id="1" name=""/>
+        <p:cNvGrpSpPr/>
+        <p:nvPr/>
+      </p:nvGrpSpPr>
+      <p:grpSpPr>
+        <a:xfrm>
+          <a:off x="0" y="0"/>
+          <a:ext cx="0" cy="0"/>
+          <a:chOff x="0" y="0"/>
+          <a:chExt cx="0" cy="0"/>
+        </a:xfrm>
+      </p:grpSpPr>
+      <p:sp>
+        <p:nvSpPr>
+          <p:cNvPr id="2" name="Title 1"/>
+          <p:cNvSpPr>
+            <a:spLocks noGrp="1"/>
+          </p:cNvSpPr>
+          <p:nvPr>
+            <p:ph type="title"/>
+          </p:nvPr>
+        </p:nvSpPr>
+        <p:spPr/>
+        <p:txBody>
+          <a:bodyPr/>
+          <a:lstStyle/>
+          <a:p>
+            <a:r>
+              <a:rPr lang="en-US" dirty="0" smtClean="0"/>
+              <a:t>Cara install </a:t>
+            </a:r>
+            <a:r>
+              <a:rPr lang="en-US" dirty="0" err="1" smtClean="0"/>
+              <a:t>jupyter</a:t>
+            </a:r>
+            <a:endParaRPr lang="en-US" dirty="0"/>
+          </a:p>
+        </p:txBody>
+      </p:sp>
+      <p:sp>
+        <p:nvSpPr>
+          <p:cNvPr id="9" name="Content Placeholder 8"/>
+          <p:cNvSpPr>
+            <a:spLocks noGrp="1"/>
+          </p:cNvSpPr>
+          <p:nvPr>
+            <p:ph idx="1"/>
+          </p:nvPr>
+        </p:nvSpPr>
+        <p:spPr/>
+        <p:txBody>
+          <a:bodyPr>
+            <a:normAutofit fontScale="92500" lnSpcReduction="20000"/>
+          </a:bodyPr>
+          <a:lstStyle/>
+          <a:p>
+            <a:r>
+              <a:rPr lang="en-US" b="1" dirty="0" err="1"/>
+              <a:t>Menjalankan</a:t>
+            </a:r>
+            <a:r>
+              <a:rPr lang="en-US" b="1" dirty="0"/>
+              <a:t> Notebook </a:t>
+            </a:r>
+            <a:r>
+              <a:rPr lang="en-US" b="1" dirty="0" err="1"/>
+              <a:t>Jupyter</a:t>
+            </a:r>
+            <a:r>
+              <a:rPr lang="en-US" b="1" dirty="0"/>
+              <a:t> </a:t>
+            </a:r>
+            <a:r>
+              <a:rPr lang="en-US" b="1" dirty="0" err="1"/>
+              <a:t>Dengan</a:t>
+            </a:r>
+            <a:r>
+              <a:rPr lang="en-US" b="1" dirty="0"/>
+              <a:t> </a:t>
+            </a:r>
+            <a:r>
+              <a:rPr lang="en-US" b="1" dirty="0" err="1"/>
+              <a:t>Distribusi</a:t>
+            </a:r>
+            <a:r>
+              <a:rPr lang="en-US" b="1" dirty="0"/>
+              <a:t> Python Anaconda</a:t>
+            </a:r>
+          </a:p>
+          <a:p>
+            <a:r>
+              <a:rPr lang="en-US" dirty="0"/>
+              <a:t>Salah </a:t>
+            </a:r>
+            <a:r>
+              <a:rPr lang="en-US" dirty="0" err="1"/>
+              <a:t>satu</a:t>
+            </a:r>
+            <a:r>
+              <a:rPr lang="en-US" dirty="0"/>
+              <a:t> </a:t>
+            </a:r>
+            <a:r>
+              <a:rPr lang="en-US" dirty="0" err="1"/>
+              <a:t>persyaratan</a:t>
+            </a:r>
+            <a:r>
+              <a:rPr lang="en-US" dirty="0"/>
+              <a:t> di </a:t>
+            </a:r>
+            <a:r>
+              <a:rPr lang="en-US" dirty="0" err="1"/>
+              <a:t>sini</a:t>
+            </a:r>
+            <a:r>
+              <a:rPr lang="en-US" dirty="0"/>
+              <a:t> </a:t>
+            </a:r>
+            <a:r>
+              <a:rPr lang="en-US" dirty="0" err="1"/>
+              <a:t>adalah</a:t>
+            </a:r>
+            <a:r>
+              <a:rPr lang="en-US" dirty="0"/>
+              <a:t> Python, </a:t>
+            </a:r>
+            <a:r>
+              <a:rPr lang="en-US" dirty="0" err="1"/>
+              <a:t>baik</a:t>
+            </a:r>
+            <a:r>
+              <a:rPr lang="en-US" dirty="0"/>
+              <a:t> Python 3.3 </a:t>
+            </a:r>
+            <a:r>
+              <a:rPr lang="en-US" dirty="0" err="1"/>
+              <a:t>atau</a:t>
+            </a:r>
+            <a:r>
+              <a:rPr lang="en-US" dirty="0"/>
+              <a:t> </a:t>
+            </a:r>
+            <a:r>
+              <a:rPr lang="en-US" dirty="0" err="1"/>
+              <a:t>lebih</a:t>
+            </a:r>
+            <a:r>
+              <a:rPr lang="en-US" dirty="0"/>
+              <a:t> </a:t>
+            </a:r>
+            <a:r>
+              <a:rPr lang="en-US" dirty="0" err="1"/>
+              <a:t>besar</a:t>
+            </a:r>
+            <a:r>
+              <a:rPr lang="en-US" dirty="0"/>
+              <a:t> </a:t>
+            </a:r>
+            <a:r>
+              <a:rPr lang="en-US" dirty="0" err="1"/>
+              <a:t>atau</a:t>
+            </a:r>
+            <a:r>
+              <a:rPr lang="en-US" dirty="0"/>
+              <a:t> Python 2.7. </a:t>
+            </a:r>
+            <a:r>
+              <a:rPr lang="en-US" dirty="0" err="1"/>
+              <a:t>Rekomendasi</a:t>
+            </a:r>
+            <a:r>
+              <a:rPr lang="en-US" dirty="0"/>
+              <a:t> </a:t>
+            </a:r>
+            <a:r>
+              <a:rPr lang="en-US" dirty="0" err="1"/>
+              <a:t>umum</a:t>
+            </a:r>
+            <a:r>
+              <a:rPr lang="en-US" dirty="0"/>
+              <a:t> </a:t>
+            </a:r>
+            <a:r>
+              <a:rPr lang="en-US" dirty="0" err="1"/>
+              <a:t>adalah</a:t>
+            </a:r>
+            <a:r>
+              <a:rPr lang="en-US" dirty="0"/>
+              <a:t> </a:t>
+            </a:r>
+            <a:r>
+              <a:rPr lang="en-US" dirty="0" err="1"/>
+              <a:t>Anda</a:t>
+            </a:r>
+            <a:r>
+              <a:rPr lang="en-US" dirty="0"/>
+              <a:t> </a:t>
+            </a:r>
+            <a:r>
+              <a:rPr lang="en-US" dirty="0" err="1"/>
+              <a:t>menggunakan</a:t>
+            </a:r>
+            <a:r>
+              <a:rPr lang="en-US" dirty="0"/>
+              <a:t> </a:t>
+            </a:r>
+            <a:r>
+              <a:rPr lang="en-US" dirty="0" err="1"/>
+              <a:t>distribusi</a:t>
+            </a:r>
+            <a:r>
+              <a:rPr lang="en-US" dirty="0"/>
+              <a:t> Anaconda </a:t>
+            </a:r>
+            <a:r>
+              <a:rPr lang="en-US" dirty="0" err="1"/>
+              <a:t>untuk</a:t>
+            </a:r>
+            <a:r>
+              <a:rPr lang="en-US" dirty="0"/>
+              <a:t> </a:t>
+            </a:r>
+            <a:r>
+              <a:rPr lang="en-US" dirty="0" err="1"/>
+              <a:t>menginstal</a:t>
+            </a:r>
+            <a:r>
+              <a:rPr lang="en-US" dirty="0"/>
+              <a:t> Python </a:t>
+            </a:r>
+            <a:r>
+              <a:rPr lang="en-US" dirty="0" err="1"/>
+              <a:t>dan</a:t>
+            </a:r>
+            <a:r>
+              <a:rPr lang="en-US" dirty="0"/>
+              <a:t> </a:t>
+            </a:r>
+            <a:r>
+              <a:rPr lang="en-US" dirty="0" err="1"/>
+              <a:t>aplikasi</a:t>
+            </a:r>
+            <a:r>
+              <a:rPr lang="en-US" dirty="0"/>
+              <a:t> notebook.</a:t>
+            </a:r>
+          </a:p>
+          <a:p>
+            <a:r>
+              <a:rPr lang="en-US" dirty="0" err="1"/>
+              <a:t>Keuntungan</a:t>
+            </a:r>
+            <a:r>
+              <a:rPr lang="en-US" dirty="0"/>
+              <a:t> </a:t>
+            </a:r>
+            <a:r>
+              <a:rPr lang="en-US" dirty="0" err="1"/>
+              <a:t>dari</a:t>
+            </a:r>
+            <a:r>
+              <a:rPr lang="en-US" dirty="0"/>
+              <a:t> Anaconda </a:t>
+            </a:r>
+            <a:r>
+              <a:rPr lang="en-US" dirty="0" err="1"/>
+              <a:t>adalah</a:t>
+            </a:r>
+            <a:r>
+              <a:rPr lang="en-US" dirty="0"/>
+              <a:t> </a:t>
+            </a:r>
+            <a:r>
+              <a:rPr lang="en-US" dirty="0" err="1"/>
+              <a:t>Anda</a:t>
+            </a:r>
+            <a:r>
+              <a:rPr lang="en-US" dirty="0"/>
+              <a:t> </a:t>
+            </a:r>
+            <a:r>
+              <a:rPr lang="en-US" dirty="0" err="1"/>
+              <a:t>memiliki</a:t>
+            </a:r>
+            <a:r>
+              <a:rPr lang="en-US" dirty="0"/>
+              <a:t> </a:t>
+            </a:r>
+            <a:r>
+              <a:rPr lang="en-US" dirty="0" err="1"/>
+              <a:t>akses</a:t>
+            </a:r>
+            <a:r>
+              <a:rPr lang="en-US" dirty="0"/>
+              <a:t> </a:t>
+            </a:r>
+            <a:r>
+              <a:rPr lang="en-US" dirty="0" err="1"/>
+              <a:t>ke</a:t>
+            </a:r>
+            <a:r>
+              <a:rPr lang="en-US" dirty="0"/>
+              <a:t> </a:t>
+            </a:r>
+            <a:r>
+              <a:rPr lang="en-US" dirty="0" err="1"/>
+              <a:t>lebih</a:t>
+            </a:r>
+            <a:r>
+              <a:rPr lang="en-US" dirty="0"/>
+              <a:t> </a:t>
+            </a:r>
+            <a:r>
+              <a:rPr lang="en-US" dirty="0" err="1"/>
+              <a:t>dari</a:t>
+            </a:r>
+            <a:r>
+              <a:rPr lang="en-US" dirty="0"/>
+              <a:t> 720 </a:t>
+            </a:r>
+            <a:r>
+              <a:rPr lang="en-US" dirty="0" err="1"/>
+              <a:t>paket</a:t>
+            </a:r>
+            <a:r>
+              <a:rPr lang="en-US" dirty="0"/>
+              <a:t> yang </a:t>
+            </a:r>
+            <a:r>
+              <a:rPr lang="en-US" dirty="0" err="1"/>
+              <a:t>dapat</a:t>
+            </a:r>
+            <a:r>
+              <a:rPr lang="en-US" dirty="0"/>
+              <a:t> </a:t>
+            </a:r>
+            <a:r>
+              <a:rPr lang="en-US" dirty="0" err="1"/>
+              <a:t>dengan</a:t>
+            </a:r>
+            <a:r>
+              <a:rPr lang="en-US" dirty="0"/>
+              <a:t> </a:t>
+            </a:r>
+            <a:r>
+              <a:rPr lang="en-US" dirty="0" err="1"/>
+              <a:t>mudah</a:t>
+            </a:r>
+            <a:r>
+              <a:rPr lang="en-US" dirty="0"/>
+              <a:t> </a:t>
+            </a:r>
+            <a:r>
+              <a:rPr lang="en-US" dirty="0" err="1"/>
+              <a:t>diinstal</a:t>
+            </a:r>
+            <a:r>
+              <a:rPr lang="en-US" dirty="0"/>
+              <a:t> </a:t>
+            </a:r>
+            <a:r>
+              <a:rPr lang="en-US" dirty="0" err="1"/>
+              <a:t>dengan</a:t>
+            </a:r>
+            <a:r>
+              <a:rPr lang="en-US" dirty="0"/>
+              <a:t> </a:t>
+            </a:r>
+            <a:r>
+              <a:rPr lang="en-US" dirty="0" err="1"/>
+              <a:t>kondominium</a:t>
+            </a:r>
+            <a:r>
+              <a:rPr lang="en-US" dirty="0"/>
+              <a:t>, </a:t>
+            </a:r>
+            <a:r>
+              <a:rPr lang="en-US" dirty="0" err="1"/>
+              <a:t>paket</a:t>
+            </a:r>
+            <a:r>
+              <a:rPr lang="en-US" dirty="0"/>
+              <a:t>, </a:t>
+            </a:r>
+            <a:r>
+              <a:rPr lang="en-US" dirty="0" err="1"/>
+              <a:t>ketergantungan</a:t>
+            </a:r>
+            <a:r>
+              <a:rPr lang="en-US" dirty="0"/>
+              <a:t>, </a:t>
+            </a:r>
+            <a:r>
+              <a:rPr lang="en-US" dirty="0" err="1"/>
+              <a:t>dan</a:t>
+            </a:r>
+            <a:r>
+              <a:rPr lang="en-US" dirty="0"/>
+              <a:t> </a:t>
+            </a:r>
+            <a:r>
+              <a:rPr lang="en-US" dirty="0" err="1"/>
+              <a:t>pengelola</a:t>
+            </a:r>
+            <a:r>
+              <a:rPr lang="en-US" dirty="0"/>
+              <a:t> </a:t>
+            </a:r>
+            <a:r>
+              <a:rPr lang="en-US" dirty="0" err="1"/>
+              <a:t>lingkungan</a:t>
+            </a:r>
+            <a:r>
+              <a:rPr lang="en-US" dirty="0"/>
+              <a:t> Anaconda. </a:t>
+            </a:r>
+            <a:r>
+              <a:rPr lang="en-US" dirty="0" err="1"/>
+              <a:t>Anda</a:t>
+            </a:r>
+            <a:r>
+              <a:rPr lang="en-US" dirty="0"/>
+              <a:t> </a:t>
+            </a:r>
+            <a:r>
+              <a:rPr lang="en-US" dirty="0" err="1"/>
+              <a:t>dapat</a:t>
+            </a:r>
+            <a:r>
+              <a:rPr lang="en-US" dirty="0"/>
+              <a:t> </a:t>
+            </a:r>
+            <a:r>
+              <a:rPr lang="en-US" dirty="0" err="1"/>
+              <a:t>mengikuti</a:t>
+            </a:r>
+            <a:r>
+              <a:rPr lang="en-US" dirty="0"/>
+              <a:t> </a:t>
+            </a:r>
+            <a:r>
+              <a:rPr lang="en-US" dirty="0" err="1"/>
+              <a:t>instruksi</a:t>
+            </a:r>
+            <a:r>
+              <a:rPr lang="en-US" dirty="0"/>
+              <a:t> </a:t>
+            </a:r>
+            <a:r>
+              <a:rPr lang="en-US" dirty="0" err="1"/>
+              <a:t>untuk</a:t>
+            </a:r>
+            <a:r>
+              <a:rPr lang="en-US" dirty="0"/>
+              <a:t> </a:t>
+            </a:r>
+            <a:r>
+              <a:rPr lang="en-US" dirty="0" err="1"/>
+              <a:t>pemasangan</a:t>
+            </a:r>
+            <a:r>
+              <a:rPr lang="en-US" dirty="0"/>
+              <a:t> Anaconda di </a:t>
+            </a:r>
+            <a:r>
+              <a:rPr lang="en-US" dirty="0" err="1"/>
+              <a:t>sini</a:t>
+            </a:r>
+            <a:r>
+              <a:rPr lang="en-US" dirty="0"/>
+              <a:t> </a:t>
+            </a:r>
+            <a:r>
+              <a:rPr lang="en-US" dirty="0" err="1"/>
+              <a:t>untuk</a:t>
+            </a:r>
+            <a:r>
+              <a:rPr lang="en-US" dirty="0"/>
+              <a:t> </a:t>
+            </a:r>
+            <a:r>
+              <a:rPr lang="en-US" dirty="0">
+                <a:hlinkClick r:id="rId2"/>
+              </a:rPr>
+              <a:t>Mac</a:t>
+            </a:r>
+            <a:r>
+              <a:rPr lang="en-US" dirty="0"/>
+              <a:t> </a:t>
+            </a:r>
+            <a:r>
+              <a:rPr lang="en-US" dirty="0" err="1"/>
+              <a:t>atau</a:t>
+            </a:r>
+            <a:r>
+              <a:rPr lang="en-US" dirty="0"/>
+              <a:t> </a:t>
+            </a:r>
+            <a:r>
+              <a:rPr lang="en-US" dirty="0">
+                <a:hlinkClick r:id="rId3"/>
+              </a:rPr>
+              <a:t>Windows</a:t>
+            </a:r>
+            <a:r>
+              <a:rPr lang="en-US" dirty="0"/>
+              <a:t> .</a:t>
+            </a:r>
+          </a:p>
+          <a:p>
+            <a:r>
+              <a:rPr lang="en-US" dirty="0" err="1"/>
+              <a:t>Apakah</a:t>
+            </a:r>
+            <a:r>
+              <a:rPr lang="en-US" dirty="0"/>
+              <a:t> </a:t>
+            </a:r>
+            <a:r>
+              <a:rPr lang="en-US" dirty="0" err="1"/>
+              <a:t>ada</a:t>
+            </a:r>
+            <a:r>
+              <a:rPr lang="en-US" dirty="0"/>
+              <a:t> </a:t>
+            </a:r>
+            <a:r>
+              <a:rPr lang="en-US" dirty="0" err="1"/>
+              <a:t>sesuatu</a:t>
+            </a:r>
+            <a:r>
+              <a:rPr lang="en-US" dirty="0"/>
+              <a:t> yang </a:t>
+            </a:r>
+            <a:r>
+              <a:rPr lang="en-US" dirty="0" err="1"/>
+              <a:t>tidak</a:t>
+            </a:r>
+            <a:r>
+              <a:rPr lang="en-US" dirty="0"/>
+              <a:t> </a:t>
+            </a:r>
+            <a:r>
+              <a:rPr lang="en-US" dirty="0" err="1"/>
+              <a:t>jelas</a:t>
+            </a:r>
+            <a:r>
+              <a:rPr lang="en-US" dirty="0"/>
+              <a:t>? </a:t>
+            </a:r>
+            <a:r>
+              <a:rPr lang="en-US" dirty="0" err="1"/>
+              <a:t>Anda</a:t>
+            </a:r>
+            <a:r>
+              <a:rPr lang="en-US" dirty="0"/>
+              <a:t> </a:t>
+            </a:r>
+            <a:r>
+              <a:rPr lang="en-US" dirty="0" err="1"/>
+              <a:t>selalu</a:t>
+            </a:r>
+            <a:r>
+              <a:rPr lang="en-US" dirty="0"/>
+              <a:t> </a:t>
+            </a:r>
+            <a:r>
+              <a:rPr lang="en-US" dirty="0" err="1"/>
+              <a:t>dapat</a:t>
+            </a:r>
+            <a:r>
+              <a:rPr lang="en-US" dirty="0"/>
+              <a:t> </a:t>
+            </a:r>
+            <a:r>
+              <a:rPr lang="en-US" dirty="0" err="1"/>
+              <a:t>membaca</a:t>
+            </a:r>
+            <a:r>
+              <a:rPr lang="en-US" dirty="0"/>
+              <a:t> </a:t>
+            </a:r>
+            <a:r>
+              <a:rPr lang="en-US" dirty="0" err="1"/>
+              <a:t>instruksi</a:t>
+            </a:r>
+            <a:r>
+              <a:rPr lang="en-US" dirty="0"/>
+              <a:t> </a:t>
+            </a:r>
+            <a:r>
+              <a:rPr lang="en-US" dirty="0" err="1"/>
+              <a:t>instalasi</a:t>
+            </a:r>
+            <a:r>
+              <a:rPr lang="en-US" dirty="0"/>
+              <a:t> </a:t>
+            </a:r>
+            <a:r>
+              <a:rPr lang="en-US" dirty="0" err="1"/>
+              <a:t>Jupyter</a:t>
+            </a:r>
+            <a:r>
+              <a:rPr lang="en-US" dirty="0"/>
+              <a:t> di </a:t>
+            </a:r>
+            <a:r>
+              <a:rPr lang="en-US" dirty="0" err="1">
+                <a:hlinkClick r:id="rId4"/>
+              </a:rPr>
+              <a:t>sini</a:t>
+            </a:r>
+            <a:r>
+              <a:rPr lang="en-US" dirty="0"/>
+              <a:t> </a:t>
+            </a:r>
+            <a:r>
+              <a:rPr lang="en-US" dirty="0" smtClean="0"/>
+              <a:t>.</a:t>
+            </a:r>
+            <a:endParaRPr lang="en-US" dirty="0"/>
+          </a:p>
+        </p:txBody>
+      </p:sp>
+    </p:spTree>
+    <p:extLst>
+      <p:ext uri="{BB962C8B-B14F-4D97-AF65-F5344CB8AC3E}">
+        <p14:creationId xmlns:p14="http://schemas.microsoft.com/office/powerpoint/2010/main" val="2106514916"/>
+      </p:ext>
+    </p:extLst>
+  </p:cSld>
+  <p:clrMapOvr>
+    <a:masterClrMapping/>
+  </p:clrMapOvr>
+</p:sld>
+</file>
+
+<file path=ppt/slides/slide31.xml><?xml version="1.0" encoding="utf-8"?>
+<p:sld xmlns:a="http://schemas.openxmlformats.org/drawingml/2006/main" xmlns:r="http://schemas.openxmlformats.org/officeDocument/2006/relationships" xmlns:p="http://schemas.openxmlformats.org/presentationml/2006/main">
+  <p:cSld>
+    <p:spTree>
+      <p:nvGrpSpPr>
+        <p:cNvPr id="1" name=""/>
+        <p:cNvGrpSpPr/>
+        <p:nvPr/>
+      </p:nvGrpSpPr>
+      <p:grpSpPr>
+        <a:xfrm>
+          <a:off x="0" y="0"/>
+          <a:ext cx="0" cy="0"/>
+          <a:chOff x="0" y="0"/>
+          <a:chExt cx="0" cy="0"/>
+        </a:xfrm>
+      </p:grpSpPr>
+      <p:sp>
+        <p:nvSpPr>
+          <p:cNvPr id="2" name="Title 1"/>
+          <p:cNvSpPr>
+            <a:spLocks noGrp="1"/>
+          </p:cNvSpPr>
+          <p:nvPr>
+            <p:ph type="title"/>
+          </p:nvPr>
+        </p:nvSpPr>
+        <p:spPr/>
+        <p:txBody>
+          <a:bodyPr/>
+          <a:lstStyle/>
+          <a:p>
+            <a:endParaRPr lang="en-US"/>
+          </a:p>
+        </p:txBody>
+      </p:sp>
+      <p:sp>
+        <p:nvSpPr>
+          <p:cNvPr id="3" name="Content Placeholder 2"/>
+          <p:cNvSpPr>
+            <a:spLocks noGrp="1"/>
+          </p:cNvSpPr>
+          <p:nvPr>
+            <p:ph idx="1"/>
+          </p:nvPr>
+        </p:nvSpPr>
+        <p:spPr/>
+        <p:txBody>
+          <a:bodyPr/>
+          <a:lstStyle/>
+          <a:p>
+            <a:r>
+              <a:rPr lang="en-US" b="1" dirty="0" err="1"/>
+              <a:t>Menjalankan</a:t>
+            </a:r>
+            <a:r>
+              <a:rPr lang="en-US" b="1" dirty="0"/>
+              <a:t> </a:t>
+            </a:r>
+            <a:r>
+              <a:rPr lang="en-US" b="1" dirty="0" err="1"/>
+              <a:t>Jupyter</a:t>
+            </a:r>
+            <a:r>
+              <a:rPr lang="en-US" b="1" dirty="0"/>
+              <a:t> Notebook The </a:t>
+            </a:r>
+            <a:r>
+              <a:rPr lang="en-US" b="1" dirty="0" err="1"/>
+              <a:t>Pythonic</a:t>
+            </a:r>
+            <a:r>
+              <a:rPr lang="en-US" b="1" dirty="0"/>
+              <a:t> Way: Pip</a:t>
+            </a:r>
+          </a:p>
+          <a:p>
+            <a:r>
+              <a:rPr lang="en-US" dirty="0" err="1"/>
+              <a:t>Jika</a:t>
+            </a:r>
+            <a:r>
+              <a:rPr lang="en-US" dirty="0"/>
+              <a:t> </a:t>
+            </a:r>
+            <a:r>
+              <a:rPr lang="en-US" dirty="0" err="1"/>
+              <a:t>Anda</a:t>
+            </a:r>
+            <a:r>
+              <a:rPr lang="en-US" dirty="0"/>
+              <a:t> </a:t>
+            </a:r>
+            <a:r>
+              <a:rPr lang="en-US" dirty="0" err="1"/>
+              <a:t>tidak</a:t>
+            </a:r>
+            <a:r>
+              <a:rPr lang="en-US" dirty="0"/>
+              <a:t> </a:t>
+            </a:r>
+            <a:r>
+              <a:rPr lang="en-US" dirty="0" err="1"/>
+              <a:t>ingin</a:t>
+            </a:r>
+            <a:r>
+              <a:rPr lang="en-US" dirty="0"/>
+              <a:t> </a:t>
+            </a:r>
+            <a:r>
+              <a:rPr lang="en-US" dirty="0" err="1"/>
+              <a:t>menginstal</a:t>
+            </a:r>
+            <a:r>
+              <a:rPr lang="en-US" dirty="0"/>
+              <a:t> Anaconda, </a:t>
+            </a:r>
+            <a:r>
+              <a:rPr lang="en-US" dirty="0" err="1"/>
+              <a:t>Anda</a:t>
+            </a:r>
+            <a:r>
+              <a:rPr lang="en-US" dirty="0"/>
+              <a:t> </a:t>
+            </a:r>
+            <a:r>
+              <a:rPr lang="en-US" dirty="0" err="1"/>
+              <a:t>hanya</a:t>
+            </a:r>
+            <a:r>
+              <a:rPr lang="en-US" dirty="0"/>
+              <a:t> </a:t>
+            </a:r>
+            <a:r>
+              <a:rPr lang="en-US" dirty="0" err="1"/>
+              <a:t>perlu</a:t>
+            </a:r>
+            <a:r>
+              <a:rPr lang="en-US" dirty="0"/>
+              <a:t> </a:t>
+            </a:r>
+            <a:r>
+              <a:rPr lang="en-US" dirty="0" err="1"/>
+              <a:t>memastikan</a:t>
+            </a:r>
+            <a:r>
+              <a:rPr lang="en-US" dirty="0"/>
+              <a:t> </a:t>
+            </a:r>
+            <a:r>
+              <a:rPr lang="en-US" dirty="0" err="1"/>
+              <a:t>bahwa</a:t>
+            </a:r>
+            <a:r>
+              <a:rPr lang="en-US" dirty="0"/>
+              <a:t> </a:t>
+            </a:r>
+            <a:r>
+              <a:rPr lang="en-US" dirty="0" err="1"/>
+              <a:t>Anda</a:t>
+            </a:r>
+            <a:r>
+              <a:rPr lang="en-US" dirty="0"/>
+              <a:t> </a:t>
+            </a:r>
+            <a:r>
+              <a:rPr lang="en-US" dirty="0" err="1"/>
+              <a:t>memiliki</a:t>
+            </a:r>
+            <a:r>
+              <a:rPr lang="en-US" dirty="0"/>
+              <a:t> </a:t>
+            </a:r>
+            <a:r>
+              <a:rPr lang="en-US" dirty="0" err="1"/>
+              <a:t>versi</a:t>
+            </a:r>
+            <a:r>
+              <a:rPr lang="en-US" dirty="0"/>
+              <a:t> </a:t>
+            </a:r>
+            <a:r>
+              <a:rPr lang="en-US" dirty="0" err="1"/>
+              <a:t>terbaru</a:t>
+            </a:r>
+            <a:r>
+              <a:rPr lang="en-US" dirty="0"/>
+              <a:t> </a:t>
+            </a:r>
+            <a:r>
+              <a:rPr lang="en-US" dirty="0" err="1"/>
+              <a:t>dari</a:t>
+            </a:r>
+            <a:r>
+              <a:rPr lang="en-US" dirty="0"/>
+              <a:t> pip. </a:t>
+            </a:r>
+            <a:r>
+              <a:rPr lang="en-US" dirty="0" err="1"/>
+              <a:t>Jika</a:t>
+            </a:r>
+            <a:r>
+              <a:rPr lang="en-US" dirty="0"/>
+              <a:t> </a:t>
+            </a:r>
+            <a:r>
+              <a:rPr lang="en-US" dirty="0" err="1"/>
+              <a:t>Anda</a:t>
+            </a:r>
+            <a:r>
+              <a:rPr lang="en-US" dirty="0"/>
+              <a:t> </a:t>
+            </a:r>
+            <a:r>
+              <a:rPr lang="en-US" dirty="0" err="1"/>
+              <a:t>telah</a:t>
+            </a:r>
+            <a:r>
+              <a:rPr lang="en-US" dirty="0"/>
+              <a:t> </a:t>
+            </a:r>
+            <a:r>
+              <a:rPr lang="en-US" dirty="0" err="1"/>
+              <a:t>menginstal</a:t>
+            </a:r>
+            <a:r>
+              <a:rPr lang="en-US" dirty="0"/>
+              <a:t> Python, </a:t>
+            </a:r>
+            <a:r>
+              <a:rPr lang="en-US" dirty="0" err="1"/>
+              <a:t>Anda</a:t>
+            </a:r>
+            <a:r>
+              <a:rPr lang="en-US" dirty="0"/>
+              <a:t> </a:t>
+            </a:r>
+            <a:r>
+              <a:rPr lang="en-US" dirty="0" err="1"/>
+              <a:t>biasanya</a:t>
+            </a:r>
+            <a:r>
+              <a:rPr lang="en-US" dirty="0"/>
+              <a:t> </a:t>
+            </a:r>
+            <a:r>
+              <a:rPr lang="en-US" dirty="0" err="1"/>
+              <a:t>sudah</a:t>
+            </a:r>
+            <a:r>
+              <a:rPr lang="en-US" dirty="0"/>
+              <a:t> </a:t>
+            </a:r>
+            <a:r>
+              <a:rPr lang="en-US" dirty="0" err="1"/>
+              <a:t>memilikinya</a:t>
+            </a:r>
+            <a:r>
+              <a:rPr lang="en-US" dirty="0"/>
+              <a:t>.</a:t>
+            </a:r>
+          </a:p>
+          <a:p>
+            <a:r>
+              <a:rPr lang="en-US" dirty="0"/>
+              <a:t>Yang </a:t>
+            </a:r>
+            <a:r>
+              <a:rPr lang="en-US" dirty="0" err="1"/>
+              <a:t>perlu</a:t>
+            </a:r>
+            <a:r>
+              <a:rPr lang="en-US" dirty="0"/>
+              <a:t> </a:t>
+            </a:r>
+            <a:r>
+              <a:rPr lang="en-US" dirty="0" err="1"/>
+              <a:t>Anda</a:t>
+            </a:r>
+            <a:r>
+              <a:rPr lang="en-US" dirty="0"/>
+              <a:t> </a:t>
+            </a:r>
+            <a:r>
+              <a:rPr lang="en-US" dirty="0" err="1"/>
+              <a:t>lakukan</a:t>
+            </a:r>
+            <a:r>
+              <a:rPr lang="en-US" dirty="0"/>
+              <a:t> </a:t>
+            </a:r>
+            <a:r>
+              <a:rPr lang="en-US" dirty="0" err="1"/>
+              <a:t>adalah</a:t>
+            </a:r>
+            <a:r>
+              <a:rPr lang="en-US" dirty="0"/>
+              <a:t> </a:t>
+            </a:r>
+            <a:r>
+              <a:rPr lang="en-US" dirty="0" err="1"/>
+              <a:t>memutakhirkan</a:t>
+            </a:r>
+            <a:r>
+              <a:rPr lang="en-US" dirty="0"/>
+              <a:t> pip:</a:t>
+            </a:r>
+          </a:p>
+          <a:p>
+            <a:endParaRPr lang="en-US" dirty="0"/>
+          </a:p>
+          <a:p>
+            <a:endParaRPr lang="en-US" dirty="0"/>
+          </a:p>
+        </p:txBody>
+      </p:sp>
+      <p:pic>
+        <p:nvPicPr>
+          <p:cNvPr id="4" name="Picture 3"/>
+          <p:cNvPicPr>
+            <a:picLocks noChangeAspect="1"/>
+          </p:cNvPicPr>
+          <p:nvPr/>
+        </p:nvPicPr>
+        <p:blipFill>
+          <a:blip r:embed="rId2"/>
+          <a:stretch>
+            <a:fillRect/>
+          </a:stretch>
+        </p:blipFill>
+        <p:spPr>
+          <a:xfrm>
+            <a:off x="369760" y="3717032"/>
+            <a:ext cx="8086725" cy="838200"/>
+          </a:xfrm>
+          <a:prstGeom prst="rect">
+            <a:avLst/>
+          </a:prstGeom>
+        </p:spPr>
+      </p:pic>
+    </p:spTree>
+    <p:extLst>
+      <p:ext uri="{BB962C8B-B14F-4D97-AF65-F5344CB8AC3E}">
+        <p14:creationId xmlns:p14="http://schemas.microsoft.com/office/powerpoint/2010/main" val="2118815923"/>
+      </p:ext>
+    </p:extLst>
+  </p:cSld>
+  <p:clrMapOvr>
+    <a:masterClrMapping/>
+  </p:clrMapOvr>
+</p:sld>
+</file>
+
+<file path=ppt/slides/slide32.xml><?xml version="1.0" encoding="utf-8"?>
+<p:sld xmlns:a="http://schemas.openxmlformats.org/drawingml/2006/main" xmlns:r="http://schemas.openxmlformats.org/officeDocument/2006/relationships" xmlns:p="http://schemas.openxmlformats.org/presentationml/2006/main">
+  <p:cSld>
+    <p:spTree>
+      <p:nvGrpSpPr>
+        <p:cNvPr id="1" name=""/>
+        <p:cNvGrpSpPr/>
+        <p:nvPr/>
+      </p:nvGrpSpPr>
+      <p:grpSpPr>
+        <a:xfrm>
+          <a:off x="0" y="0"/>
+          <a:ext cx="0" cy="0"/>
+          <a:chOff x="0" y="0"/>
+          <a:chExt cx="0" cy="0"/>
+        </a:xfrm>
+      </p:grpSpPr>
+      <p:sp>
+        <p:nvSpPr>
+          <p:cNvPr id="2" name="Title 1"/>
+          <p:cNvSpPr>
+            <a:spLocks noGrp="1"/>
+          </p:cNvSpPr>
+          <p:nvPr>
+            <p:ph type="title"/>
+          </p:nvPr>
+        </p:nvSpPr>
+        <p:spPr/>
+        <p:txBody>
+          <a:bodyPr>
+            <a:normAutofit fontScale="90000"/>
+          </a:bodyPr>
+          <a:lstStyle/>
+          <a:p>
+            <a:r>
+              <a:rPr lang="en-US" dirty="0" smtClean="0"/>
+              <a:t>Cara </a:t>
+            </a:r>
+            <a:r>
+              <a:rPr lang="en-US" dirty="0" err="1" smtClean="0"/>
+              <a:t>menggunakan</a:t>
+            </a:r>
+            <a:r>
+              <a:rPr lang="en-US" dirty="0" smtClean="0"/>
+              <a:t> </a:t>
+            </a:r>
+            <a:r>
+              <a:rPr lang="en-US" dirty="0" err="1" smtClean="0"/>
+              <a:t>jupyter</a:t>
+            </a:r>
+            <a:endParaRPr lang="en-US" dirty="0"/>
+          </a:p>
+        </p:txBody>
+      </p:sp>
+      <p:sp>
+        <p:nvSpPr>
+          <p:cNvPr id="3" name="Content Placeholder 2"/>
+          <p:cNvSpPr>
+            <a:spLocks noGrp="1"/>
+          </p:cNvSpPr>
+          <p:nvPr>
+            <p:ph idx="1"/>
+          </p:nvPr>
+        </p:nvSpPr>
+        <p:spPr/>
+        <p:txBody>
+          <a:bodyPr/>
+          <a:lstStyle/>
+          <a:p>
+            <a:r>
+              <a:rPr lang="sv-SE" dirty="0" smtClean="0"/>
+              <a:t>Jalankan </a:t>
+            </a:r>
+            <a:r>
+              <a:rPr lang="sv-SE" dirty="0"/>
+              <a:t>perintah berikut untuk membuka aplikasi</a:t>
+            </a:r>
+            <a:r>
+              <a:rPr lang="sv-SE" dirty="0" smtClean="0"/>
+              <a:t>:</a:t>
+            </a:r>
+          </a:p>
+          <a:p>
+            <a:endParaRPr lang="sv-SE" dirty="0"/>
+          </a:p>
+          <a:p>
+            <a:endParaRPr lang="sv-SE" dirty="0" smtClean="0"/>
+          </a:p>
+          <a:p>
+            <a:endParaRPr lang="sv-SE" dirty="0"/>
+          </a:p>
+          <a:p>
+            <a:r>
+              <a:rPr lang="sv-SE" dirty="0" smtClean="0"/>
+              <a:t>Ketikan ’jupyter notebook’ pada cmd dan langsung ke buka di web jupyter</a:t>
+            </a:r>
+            <a:endParaRPr lang="sv-SE" dirty="0"/>
+          </a:p>
+          <a:p>
+            <a:endParaRPr lang="en-US" dirty="0"/>
+          </a:p>
+          <a:p>
+            <a:endParaRPr lang="en-US" dirty="0" smtClean="0"/>
+          </a:p>
+          <a:p>
+            <a:endParaRPr lang="en-US" dirty="0"/>
+          </a:p>
+          <a:p>
+            <a:endParaRPr lang="en-US" dirty="0" smtClean="0"/>
+          </a:p>
+          <a:p>
+            <a:pPr marL="0" indent="0">
+              <a:buNone/>
+            </a:pPr>
+            <a:endParaRPr lang="en-US" dirty="0"/>
+          </a:p>
+        </p:txBody>
+      </p:sp>
+      <p:pic>
+        <p:nvPicPr>
+          <p:cNvPr id="4" name="Picture 3"/>
+          <p:cNvPicPr>
+            <a:picLocks noChangeAspect="1"/>
+          </p:cNvPicPr>
+          <p:nvPr/>
+        </p:nvPicPr>
+        <p:blipFill>
+          <a:blip r:embed="rId2"/>
+          <a:stretch>
+            <a:fillRect/>
+          </a:stretch>
+        </p:blipFill>
+        <p:spPr>
+          <a:xfrm>
+            <a:off x="2998660" y="2868706"/>
+            <a:ext cx="2828925" cy="762000"/>
+          </a:xfrm>
+          <a:prstGeom prst="rect">
+            <a:avLst/>
+          </a:prstGeom>
+        </p:spPr>
+      </p:pic>
+    </p:spTree>
+    <p:extLst>
+      <p:ext uri="{BB962C8B-B14F-4D97-AF65-F5344CB8AC3E}">
+        <p14:creationId xmlns:p14="http://schemas.microsoft.com/office/powerpoint/2010/main" val="3198976313"/>
+      </p:ext>
+    </p:extLst>
+  </p:cSld>
+  <p:clrMapOvr>
+    <a:masterClrMapping/>
+  </p:clrMapOvr>
+</p:sld>
+</file>
+
+<file path=ppt/slides/slide33.xml><?xml version="1.0" encoding="utf-8"?>
+<p:sld xmlns:a="http://schemas.openxmlformats.org/drawingml/2006/main" xmlns:r="http://schemas.openxmlformats.org/officeDocument/2006/relationships" xmlns:p="http://schemas.openxmlformats.org/presentationml/2006/main">
+  <p:cSld>
+    <p:spTree>
+      <p:nvGrpSpPr>
+        <p:cNvPr id="1" name=""/>
+        <p:cNvGrpSpPr/>
+        <p:nvPr/>
+      </p:nvGrpSpPr>
+      <p:grpSpPr>
+        <a:xfrm>
+          <a:off x="0" y="0"/>
+          <a:ext cx="0" cy="0"/>
+          <a:chOff x="0" y="0"/>
+          <a:chExt cx="0" cy="0"/>
+        </a:xfrm>
+      </p:grpSpPr>
+      <p:sp>
+        <p:nvSpPr>
+          <p:cNvPr id="2" name="Title 1"/>
+          <p:cNvSpPr>
+            <a:spLocks noGrp="1"/>
+          </p:cNvSpPr>
+          <p:nvPr>
+            <p:ph type="title"/>
+          </p:nvPr>
+        </p:nvSpPr>
+        <p:spPr/>
+        <p:txBody>
+          <a:bodyPr/>
+          <a:lstStyle/>
+          <a:p>
+            <a:endParaRPr lang="en-US" dirty="0"/>
+          </a:p>
+        </p:txBody>
+      </p:sp>
+      <p:pic>
+        <p:nvPicPr>
+          <p:cNvPr id="4" name="Content Placeholder 3"/>
+          <p:cNvPicPr>
+            <a:picLocks noGrp="1" noChangeAspect="1"/>
+          </p:cNvPicPr>
+          <p:nvPr>
+            <p:ph idx="1"/>
+          </p:nvPr>
+        </p:nvPicPr>
+        <p:blipFill>
+          <a:blip r:embed="rId2"/>
+          <a:stretch>
+            <a:fillRect/>
+          </a:stretch>
+        </p:blipFill>
+        <p:spPr>
+          <a:xfrm>
+            <a:off x="1691680" y="692696"/>
+            <a:ext cx="5357420" cy="4022725"/>
+          </a:xfrm>
+          <a:prstGeom prst="rect">
+            <a:avLst/>
+          </a:prstGeom>
+        </p:spPr>
+      </p:pic>
+    </p:spTree>
+    <p:extLst>
+      <p:ext uri="{BB962C8B-B14F-4D97-AF65-F5344CB8AC3E}">
+        <p14:creationId xmlns:p14="http://schemas.microsoft.com/office/powerpoint/2010/main" val="3657756617"/>
+      </p:ext>
+    </p:extLst>
+  </p:cSld>
+  <p:clrMapOvr>
+    <a:masterClrMapping/>
+  </p:clrMapOvr>
+</p:sld>
+</file>
+
+<file path=ppt/slides/slide34.xml><?xml version="1.0" encoding="utf-8"?>
+<p:sld xmlns:a="http://schemas.openxmlformats.org/drawingml/2006/main" xmlns:r="http://schemas.openxmlformats.org/officeDocument/2006/relationships" xmlns:p="http://schemas.openxmlformats.org/presentationml/2006/main">
+  <p:cSld>
+    <p:spTree>
+      <p:nvGrpSpPr>
+        <p:cNvPr id="1" name=""/>
+        <p:cNvGrpSpPr/>
+        <p:nvPr/>
+      </p:nvGrpSpPr>
+      <p:grpSpPr>
+        <a:xfrm>
+          <a:off x="0" y="0"/>
+          <a:ext cx="0" cy="0"/>
+          <a:chOff x="0" y="0"/>
+          <a:chExt cx="0" cy="0"/>
+        </a:xfrm>
+      </p:grpSpPr>
+      <p:sp>
+        <p:nvSpPr>
+          <p:cNvPr id="2" name="Title 1"/>
+          <p:cNvSpPr>
+            <a:spLocks noGrp="1"/>
+          </p:cNvSpPr>
+          <p:nvPr>
+            <p:ph type="title"/>
+          </p:nvPr>
+        </p:nvSpPr>
+        <p:spPr/>
+        <p:txBody>
+          <a:bodyPr/>
+          <a:lstStyle/>
+          <a:p>
+            <a:r>
+              <a:rPr lang="en-US" dirty="0" err="1" smtClean="0"/>
+              <a:t>seaborn</a:t>
+            </a:r>
+            <a:endParaRPr lang="en-US" dirty="0"/>
+          </a:p>
+        </p:txBody>
+      </p:sp>
+      <p:sp>
+        <p:nvSpPr>
+          <p:cNvPr id="3" name="Content Placeholder 2"/>
+          <p:cNvSpPr>
+            <a:spLocks noGrp="1"/>
+          </p:cNvSpPr>
+          <p:nvPr>
+            <p:ph idx="1"/>
+          </p:nvPr>
+        </p:nvSpPr>
+        <p:spPr/>
+        <p:txBody>
+          <a:bodyPr/>
+          <a:lstStyle/>
+          <a:p>
+            <a:r>
+              <a:rPr lang="en-US" dirty="0" err="1"/>
+              <a:t>Seaborn</a:t>
+            </a:r>
+            <a:r>
+              <a:rPr lang="en-US" dirty="0"/>
+              <a:t> </a:t>
+            </a:r>
+            <a:r>
+              <a:rPr lang="en-US" dirty="0" err="1"/>
+              <a:t>adalah</a:t>
+            </a:r>
+            <a:r>
+              <a:rPr lang="en-US" dirty="0"/>
+              <a:t> </a:t>
+            </a:r>
+            <a:r>
+              <a:rPr lang="en-US" dirty="0" err="1"/>
+              <a:t>perpustakaan</a:t>
+            </a:r>
+            <a:r>
+              <a:rPr lang="en-US" dirty="0"/>
+              <a:t> </a:t>
+            </a:r>
+            <a:r>
+              <a:rPr lang="en-US" dirty="0" err="1"/>
+              <a:t>visualisasi</a:t>
+            </a:r>
+            <a:r>
+              <a:rPr lang="en-US" dirty="0"/>
+              <a:t> data Python </a:t>
+            </a:r>
+            <a:r>
+              <a:rPr lang="en-US" dirty="0" err="1"/>
+              <a:t>berdasarkan</a:t>
+            </a:r>
+            <a:r>
+              <a:rPr lang="en-US" dirty="0"/>
+              <a:t> </a:t>
+            </a:r>
+            <a:r>
+              <a:rPr lang="en-US" dirty="0" err="1"/>
+              <a:t>matplotlib</a:t>
+            </a:r>
+            <a:r>
+              <a:rPr lang="en-US" dirty="0"/>
+              <a:t>. </a:t>
+            </a:r>
+            <a:r>
+              <a:rPr lang="en-US" dirty="0" err="1"/>
+              <a:t>Ini</a:t>
+            </a:r>
+            <a:r>
+              <a:rPr lang="en-US" dirty="0"/>
+              <a:t> </a:t>
+            </a:r>
+            <a:r>
+              <a:rPr lang="en-US" dirty="0" err="1"/>
+              <a:t>menyediakan</a:t>
+            </a:r>
+            <a:r>
+              <a:rPr lang="en-US" dirty="0"/>
+              <a:t> </a:t>
+            </a:r>
+            <a:r>
+              <a:rPr lang="en-US" dirty="0" err="1"/>
+              <a:t>antarmuka</a:t>
+            </a:r>
+            <a:r>
+              <a:rPr lang="en-US" dirty="0"/>
+              <a:t> </a:t>
+            </a:r>
+            <a:r>
+              <a:rPr lang="en-US" dirty="0" err="1"/>
+              <a:t>tingkat</a:t>
+            </a:r>
+            <a:r>
+              <a:rPr lang="en-US" dirty="0"/>
+              <a:t> </a:t>
+            </a:r>
+            <a:r>
+              <a:rPr lang="en-US" dirty="0" err="1"/>
+              <a:t>tinggi</a:t>
+            </a:r>
+            <a:r>
+              <a:rPr lang="en-US" dirty="0"/>
+              <a:t> </a:t>
+            </a:r>
+            <a:r>
+              <a:rPr lang="en-US" dirty="0" err="1"/>
+              <a:t>untuk</a:t>
+            </a:r>
+            <a:r>
+              <a:rPr lang="en-US" dirty="0"/>
+              <a:t> </a:t>
+            </a:r>
+            <a:r>
+              <a:rPr lang="en-US" dirty="0" err="1"/>
+              <a:t>menggambar</a:t>
+            </a:r>
+            <a:r>
+              <a:rPr lang="en-US" dirty="0"/>
+              <a:t> </a:t>
+            </a:r>
+            <a:r>
+              <a:rPr lang="en-US" dirty="0" err="1"/>
+              <a:t>grafik</a:t>
+            </a:r>
+            <a:r>
+              <a:rPr lang="en-US" dirty="0"/>
+              <a:t> </a:t>
+            </a:r>
+            <a:r>
+              <a:rPr lang="en-US" dirty="0" err="1"/>
+              <a:t>statistik</a:t>
+            </a:r>
+            <a:r>
+              <a:rPr lang="en-US" dirty="0"/>
+              <a:t> yang </a:t>
+            </a:r>
+            <a:r>
+              <a:rPr lang="en-US" dirty="0" err="1"/>
+              <a:t>menarik</a:t>
+            </a:r>
+            <a:r>
+              <a:rPr lang="en-US" dirty="0"/>
+              <a:t> </a:t>
+            </a:r>
+            <a:r>
+              <a:rPr lang="en-US" dirty="0" err="1"/>
+              <a:t>dan</a:t>
+            </a:r>
+            <a:r>
+              <a:rPr lang="en-US" dirty="0"/>
+              <a:t> </a:t>
+            </a:r>
+            <a:r>
+              <a:rPr lang="en-US" dirty="0" err="1"/>
+              <a:t>informatif</a:t>
+            </a:r>
+            <a:r>
+              <a:rPr lang="en-US" dirty="0"/>
+              <a:t>.</a:t>
+            </a:r>
+          </a:p>
+        </p:txBody>
+      </p:sp>
+    </p:spTree>
+    <p:extLst>
+      <p:ext uri="{BB962C8B-B14F-4D97-AF65-F5344CB8AC3E}">
+        <p14:creationId xmlns:p14="http://schemas.microsoft.com/office/powerpoint/2010/main" val="4090951825"/>
+      </p:ext>
+    </p:extLst>
+  </p:cSld>
+  <p:clrMapOvr>
+    <a:masterClrMapping/>
+  </p:clrMapOvr>
+</p:sld>
+</file>
+
+<file path=ppt/slides/slide35.xml><?xml version="1.0" encoding="utf-8"?>
+<p:sld xmlns:a="http://schemas.openxmlformats.org/drawingml/2006/main" xmlns:r="http://schemas.openxmlformats.org/officeDocument/2006/relationships" xmlns:p="http://schemas.openxmlformats.org/presentationml/2006/main">
+  <p:cSld>
+    <p:spTree>
+      <p:nvGrpSpPr>
+        <p:cNvPr id="1" name=""/>
+        <p:cNvGrpSpPr/>
+        <p:nvPr/>
+      </p:nvGrpSpPr>
+      <p:grpSpPr>
+        <a:xfrm>
+          <a:off x="0" y="0"/>
+          <a:ext cx="0" cy="0"/>
+          <a:chOff x="0" y="0"/>
+          <a:chExt cx="0" cy="0"/>
+        </a:xfrm>
+      </p:grpSpPr>
+      <p:sp>
+        <p:nvSpPr>
+          <p:cNvPr id="2" name="Title 1"/>
+          <p:cNvSpPr>
+            <a:spLocks noGrp="1"/>
+          </p:cNvSpPr>
+          <p:nvPr>
+            <p:ph type="title"/>
+          </p:nvPr>
+        </p:nvSpPr>
+        <p:spPr/>
+        <p:txBody>
+          <a:bodyPr/>
+          <a:lstStyle/>
+          <a:p>
+            <a:r>
+              <a:rPr lang="en-US" dirty="0" smtClean="0"/>
+              <a:t>Install </a:t>
+            </a:r>
+            <a:r>
+              <a:rPr lang="en-US" dirty="0" err="1" smtClean="0"/>
+              <a:t>seaborn</a:t>
+            </a:r>
+            <a:endParaRPr lang="en-US" dirty="0"/>
+          </a:p>
+        </p:txBody>
+      </p:sp>
+      <p:pic>
+        <p:nvPicPr>
+          <p:cNvPr id="4" name="Content Placeholder 3"/>
+          <p:cNvPicPr>
+            <a:picLocks noGrp="1" noChangeAspect="1"/>
+          </p:cNvPicPr>
+          <p:nvPr>
+            <p:ph idx="1"/>
+          </p:nvPr>
+        </p:nvPicPr>
+        <p:blipFill>
+          <a:blip r:embed="rId2"/>
+          <a:stretch>
+            <a:fillRect/>
+          </a:stretch>
+        </p:blipFill>
+        <p:spPr>
+          <a:xfrm>
+            <a:off x="1763688" y="692696"/>
+            <a:ext cx="5322334" cy="4022725"/>
+          </a:xfrm>
+          <a:prstGeom prst="rect">
+            <a:avLst/>
+          </a:prstGeom>
+        </p:spPr>
+      </p:pic>
+    </p:spTree>
+    <p:extLst>
+      <p:ext uri="{BB962C8B-B14F-4D97-AF65-F5344CB8AC3E}">
+        <p14:creationId xmlns:p14="http://schemas.microsoft.com/office/powerpoint/2010/main" val="197669057"/>
+      </p:ext>
+    </p:extLst>
+  </p:cSld>
+  <p:clrMapOvr>
+    <a:masterClrMapping/>
+  </p:clrMapOvr>
+</p:sld>
+</file>
+
+<file path=ppt/slides/slide36.xml><?xml version="1.0" encoding="utf-8"?>
+<p:sld xmlns:a="http://schemas.openxmlformats.org/drawingml/2006/main" xmlns:r="http://schemas.openxmlformats.org/officeDocument/2006/relationships" xmlns:p="http://schemas.openxmlformats.org/presentationml/2006/main">
+  <p:cSld>
+    <p:spTree>
+      <p:nvGrpSpPr>
+        <p:cNvPr id="1" name=""/>
+        <p:cNvGrpSpPr/>
+        <p:nvPr/>
+      </p:nvGrpSpPr>
+      <p:grpSpPr>
+        <a:xfrm>
+          <a:off x="0" y="0"/>
+          <a:ext cx="0" cy="0"/>
+          <a:chOff x="0" y="0"/>
+          <a:chExt cx="0" cy="0"/>
+        </a:xfrm>
+      </p:grpSpPr>
+      <p:sp>
+        <p:nvSpPr>
+          <p:cNvPr id="4" name="TextBox 3"/>
+          <p:cNvSpPr txBox="1"/>
+          <p:nvPr/>
+        </p:nvSpPr>
+        <p:spPr>
+          <a:xfrm>
+            <a:off x="755576" y="692696"/>
+            <a:ext cx="7560840" cy="1477328"/>
+          </a:xfrm>
+          <a:prstGeom prst="rect">
+            <a:avLst/>
+          </a:prstGeom>
+          <a:noFill/>
+        </p:spPr>
+        <p:txBody>
+          <a:bodyPr wrap="square" rtlCol="0">
+            <a:spAutoFit/>
+          </a:bodyPr>
+          <a:lstStyle/>
+          <a:p>
+            <a:r>
+              <a:rPr lang="id-ID" b="1" dirty="0" smtClean="0"/>
+              <a:t>Daftar Pustaka</a:t>
+            </a:r>
+          </a:p>
+          <a:p>
+            <a:endParaRPr lang="id-ID" b="1" dirty="0"/>
+          </a:p>
+          <a:p>
+            <a:r>
+              <a:rPr lang="id-ID" dirty="0">
+                <a:hlinkClick r:id="rId2"/>
+              </a:rPr>
+              <a:t>https://</a:t>
+            </a:r>
+            <a:r>
+              <a:rPr lang="id-ID" dirty="0" smtClean="0">
+                <a:hlinkClick r:id="rId2"/>
+              </a:rPr>
+              <a:t>belajarpython.com/tutorial/apa-itu-python</a:t>
+            </a:r>
+            <a:endParaRPr lang="id-ID" dirty="0" smtClean="0"/>
+          </a:p>
+          <a:p>
+            <a:r>
+              <a:rPr lang="en-US" dirty="0">
+                <a:hlinkClick r:id="rId3"/>
+              </a:rPr>
+              <a:t>https://</a:t>
+            </a:r>
+            <a:r>
+              <a:rPr lang="en-US" dirty="0" smtClean="0">
+                <a:hlinkClick r:id="rId3"/>
+              </a:rPr>
+              <a:t>wiki.python.org/moin/UsefulModules</a:t>
+            </a:r>
+            <a:endParaRPr lang="id-ID" dirty="0" smtClean="0"/>
+          </a:p>
+          <a:p>
+            <a:r>
+              <a:rPr lang="id-ID" dirty="0" smtClean="0">
+                <a:hlinkClick r:id="rId4"/>
+              </a:rPr>
+              <a:t>https</a:t>
+            </a:r>
+            <a:r>
+              <a:rPr lang="id-ID" dirty="0">
+                <a:hlinkClick r:id="rId4"/>
+              </a:rPr>
+              <a:t>://</a:t>
+            </a:r>
+            <a:r>
+              <a:rPr lang="id-ID" dirty="0" smtClean="0">
+                <a:hlinkClick r:id="rId4"/>
+              </a:rPr>
+              <a:t>stackoverflow.com/questions/3220404/why-use-pip-over-easy-install</a:t>
+            </a:r>
+            <a:endParaRPr lang="id-ID" dirty="0" smtClean="0"/>
+          </a:p>
+        </p:txBody>
+      </p:sp>
+    </p:spTree>
+    <p:extLst>
+      <p:ext uri="{BB962C8B-B14F-4D97-AF65-F5344CB8AC3E}">
+        <p14:creationId xmlns:p14="http://schemas.microsoft.com/office/powerpoint/2010/main" val="102292863"/>
+      </p:ext>
+    </p:extLst>
+  </p:cSld>
+  <p:clrMapOvr>
+    <a:masterClrMapping/>
+  </p:clrMapOvr>
+  <p:transition spd="slow">
+    <p:push dir="u"/>
+  </p:transition>
   <p:timing>
     <p:tnLst>
       <p:par>
@@ -9575,10 +11893,24 @@
           <a:lstStyle/>
           <a:p>
             <a:r>
-              <a:rPr lang="id-ID" dirty="0" smtClean="0"/>
+              <a:rPr lang="id-ID" dirty="0" smtClean="0">
+                <a:solidFill>
+                  <a:schemeClr val="tx1">
+                    <a:lumMod val="95000"/>
+                    <a:lumOff val="5000"/>
+                  </a:schemeClr>
+                </a:solidFill>
+              </a:rPr>
               <a:t>Pengenalan Python </a:t>
             </a:r>
-            <a:endParaRPr lang="id-ID" dirty="0"/>
+            <a:endParaRPr lang="id-ID" dirty="0">
+              <a:solidFill>
+                <a:schemeClr val="tx1">
+                  <a:lumMod val="95000"/>
+                  <a:lumOff val="5000"/>
+                </a:schemeClr>
+              </a:solidFill>
+            </a:endParaRPr>
           </a:p>
         </p:txBody>
       </p:sp>
@@ -9956,6 +12288,9 @@
   <p:clrMapOvr>
     <a:masterClrMapping/>
   </p:clrMapOvr>
+  <p:transition spd="slow">
+    <p:push dir="u"/>
+  </p:transition>
   <p:timing>
     <p:tnLst>
       <p:par>
@@ -9999,10 +12334,24 @@
           <a:lstStyle/>
           <a:p>
             <a:r>
-              <a:rPr lang="id-ID" dirty="0" smtClean="0"/>
+              <a:rPr lang="id-ID" dirty="0" smtClean="0">
+                <a:solidFill>
+                  <a:schemeClr val="tx1">
+                    <a:lumMod val="95000"/>
+                    <a:lumOff val="5000"/>
+                  </a:schemeClr>
+                </a:solidFill>
+              </a:rPr>
               <a:t>Cara Install Python</a:t>
             </a:r>
-            <a:endParaRPr lang="id-ID" dirty="0"/>
+            <a:endParaRPr lang="id-ID" dirty="0">
+              <a:solidFill>
+                <a:schemeClr val="tx1">
+                  <a:lumMod val="95000"/>
+                  <a:lumOff val="5000"/>
+                </a:schemeClr>
+              </a:solidFill>
+            </a:endParaRPr>
           </a:p>
         </p:txBody>
       </p:sp>
@@ -10162,6 +12511,9 @@
   <p:clrMapOvr>
     <a:masterClrMapping/>
   </p:clrMapOvr>
+  <p:transition spd="slow">
+    <p:push dir="u"/>
+  </p:transition>
   <p:timing>
     <p:tnLst>
       <p:par>
@@ -10205,10 +12557,24 @@
           <a:lstStyle/>
           <a:p>
             <a:r>
-              <a:rPr lang="id-ID" dirty="0" smtClean="0"/>
+              <a:rPr lang="id-ID" dirty="0" smtClean="0">
+                <a:solidFill>
+                  <a:schemeClr val="tx1">
+                    <a:lumMod val="95000"/>
+                    <a:lumOff val="5000"/>
+                  </a:schemeClr>
+                </a:solidFill>
+              </a:rPr>
               <a:t>Easy_install dan PIP</a:t>
             </a:r>
-            <a:endParaRPr lang="id-ID" dirty="0"/>
+            <a:endParaRPr lang="id-ID" dirty="0">
+              <a:solidFill>
+                <a:schemeClr val="tx1">
+                  <a:lumMod val="95000"/>
+                  <a:lumOff val="5000"/>
+                </a:schemeClr>
+              </a:solidFill>
+            </a:endParaRPr>
           </a:p>
         </p:txBody>
       </p:sp>
@@ -10703,6 +13069,9 @@
   <p:clrMapOvr>
     <a:masterClrMapping/>
   </p:clrMapOvr>
+  <p:transition spd="slow">
+    <p:push dir="u"/>
+  </p:transition>
   <p:timing>
     <p:tnLst>
       <p:par>
@@ -10746,14 +13115,35 @@
           <a:lstStyle/>
           <a:p>
             <a:r>
-              <a:rPr lang="id-ID" dirty="0"/>
+              <a:rPr lang="id-ID" dirty="0">
+                <a:solidFill>
+                  <a:schemeClr val="tx1">
+                    <a:lumMod val="95000"/>
+                    <a:lumOff val="5000"/>
+                  </a:schemeClr>
+                </a:solidFill>
+              </a:rPr>
               <a:t>e</a:t>
             </a:r>
             <a:r>
-              <a:rPr lang="id-ID" dirty="0" smtClean="0"/>
+              <a:rPr lang="id-ID" dirty="0" smtClean="0">
+                <a:solidFill>
+                  <a:schemeClr val="tx1">
+                    <a:lumMod val="95000"/>
+                    <a:lumOff val="5000"/>
+                  </a:schemeClr>
+                </a:solidFill>
+              </a:rPr>
               <a:t>asy_install vs pip</a:t>
             </a:r>
-            <a:endParaRPr lang="id-ID" dirty="0"/>
+            <a:endParaRPr lang="id-ID" dirty="0">
+              <a:solidFill>
+                <a:schemeClr val="tx1">
+                  <a:lumMod val="95000"/>
+                  <a:lumOff val="5000"/>
+                </a:schemeClr>
+              </a:solidFill>
+            </a:endParaRPr>
           </a:p>
         </p:txBody>
       </p:sp>
@@ -10831,6 +13221,9 @@
   <p:clrMapOvr>
     <a:masterClrMapping/>
   </p:clrMapOvr>
+  <p:transition spd="slow">
+    <p:push dir="u"/>
+  </p:transition>
   <p:timing>
     <p:tnLst>
       <p:par>
@@ -10874,10 +13267,24 @@
           <a:lstStyle/>
           <a:p>
             <a:r>
-              <a:rPr lang="id-ID" dirty="0" smtClean="0"/>
+              <a:rPr lang="id-ID" dirty="0" smtClean="0">
+                <a:solidFill>
+                  <a:schemeClr val="tx1">
+                    <a:lumMod val="95000"/>
+                    <a:lumOff val="5000"/>
+                  </a:schemeClr>
+                </a:solidFill>
+              </a:rPr>
               <a:t>Rule Python </a:t>
             </a:r>
-            <a:endParaRPr lang="id-ID" dirty="0"/>
+            <a:endParaRPr lang="id-ID" dirty="0">
+              <a:solidFill>
+                <a:schemeClr val="tx1">
+                  <a:lumMod val="95000"/>
+                  <a:lumOff val="5000"/>
+                </a:schemeClr>
+              </a:solidFill>
+            </a:endParaRPr>
           </a:p>
         </p:txBody>
       </p:sp>
@@ -11195,6 +13602,9 @@
   <p:clrMapOvr>
     <a:masterClrMapping/>
   </p:clrMapOvr>
+  <p:transition spd="slow">
+    <p:push dir="u"/>
+  </p:transition>
   <p:timing>
     <p:tnLst>
       <p:par>
@@ -11238,10 +13648,24 @@
           <a:lstStyle/>
           <a:p>
             <a:r>
-              <a:rPr lang="id-ID" dirty="0" smtClean="0"/>
+              <a:rPr lang="id-ID" dirty="0" smtClean="0">
+                <a:solidFill>
+                  <a:schemeClr val="tx1">
+                    <a:lumMod val="95000"/>
+                    <a:lumOff val="5000"/>
+                  </a:schemeClr>
+                </a:solidFill>
+              </a:rPr>
               <a:t>Rule Python </a:t>
             </a:r>
-            <a:endParaRPr lang="id-ID" dirty="0"/>
+            <a:endParaRPr lang="id-ID" dirty="0">
+              <a:solidFill>
+                <a:schemeClr val="tx1">
+                  <a:lumMod val="95000"/>
+                  <a:lumOff val="5000"/>
+                </a:schemeClr>
+              </a:solidFill>
+            </a:endParaRPr>
           </a:p>
         </p:txBody>
       </p:sp>
@@ -11389,6 +13813,9 @@
   <p:clrMapOvr>
     <a:masterClrMapping/>
   </p:clrMapOvr>
+  <p:transition spd="slow">
+    <p:push dir="u"/>
+  </p:transition>
   <p:timing>
     <p:tnLst>
       <p:par>
